--- a/compo.pptx
+++ b/compo.pptx
@@ -105,6 +105,11 @@
       </a:defRPr>
     </a:lvl9pPr>
   </p:defaultTextStyle>
+  <p:extLst>
+    <p:ext uri="{EFAFB233-063F-42B5-8137-9DF3F51BA10A}">
+      <p15:sldGuideLst xmlns:p15="http://schemas.microsoft.com/office/powerpoint/2012/main"/>
+    </p:ext>
+  </p:extLst>
 </p:presentation>
 </file>
 
@@ -1181,7 +1186,7 @@
           <a:p>
             <a:fld id="{E7F1DEE4-7B54-4FF4-8AD3-10DF4125BD60}" type="datetimeFigureOut">
               <a:rPr lang="en-GB" smtClean="0"/>
-              <a:t>23/01/2024</a:t>
+              <a:t>26/01/2024</a:t>
             </a:fld>
             <a:endParaRPr lang="en-GB"/>
           </a:p>
@@ -1351,7 +1356,7 @@
           <a:p>
             <a:fld id="{E7F1DEE4-7B54-4FF4-8AD3-10DF4125BD60}" type="datetimeFigureOut">
               <a:rPr lang="en-GB" smtClean="0"/>
-              <a:t>23/01/2024</a:t>
+              <a:t>26/01/2024</a:t>
             </a:fld>
             <a:endParaRPr lang="en-GB"/>
           </a:p>
@@ -1531,7 +1536,7 @@
           <a:p>
             <a:fld id="{E7F1DEE4-7B54-4FF4-8AD3-10DF4125BD60}" type="datetimeFigureOut">
               <a:rPr lang="en-GB" smtClean="0"/>
-              <a:t>23/01/2024</a:t>
+              <a:t>26/01/2024</a:t>
             </a:fld>
             <a:endParaRPr lang="en-GB"/>
           </a:p>
@@ -1701,7 +1706,7 @@
           <a:p>
             <a:fld id="{E7F1DEE4-7B54-4FF4-8AD3-10DF4125BD60}" type="datetimeFigureOut">
               <a:rPr lang="en-GB" smtClean="0"/>
-              <a:t>23/01/2024</a:t>
+              <a:t>26/01/2024</a:t>
             </a:fld>
             <a:endParaRPr lang="en-GB"/>
           </a:p>
@@ -1945,7 +1950,7 @@
           <a:p>
             <a:fld id="{E7F1DEE4-7B54-4FF4-8AD3-10DF4125BD60}" type="datetimeFigureOut">
               <a:rPr lang="en-GB" smtClean="0"/>
-              <a:t>23/01/2024</a:t>
+              <a:t>26/01/2024</a:t>
             </a:fld>
             <a:endParaRPr lang="en-GB"/>
           </a:p>
@@ -2177,7 +2182,7 @@
           <a:p>
             <a:fld id="{E7F1DEE4-7B54-4FF4-8AD3-10DF4125BD60}" type="datetimeFigureOut">
               <a:rPr lang="en-GB" smtClean="0"/>
-              <a:t>23/01/2024</a:t>
+              <a:t>26/01/2024</a:t>
             </a:fld>
             <a:endParaRPr lang="en-GB"/>
           </a:p>
@@ -2544,7 +2549,7 @@
           <a:p>
             <a:fld id="{E7F1DEE4-7B54-4FF4-8AD3-10DF4125BD60}" type="datetimeFigureOut">
               <a:rPr lang="en-GB" smtClean="0"/>
-              <a:t>23/01/2024</a:t>
+              <a:t>26/01/2024</a:t>
             </a:fld>
             <a:endParaRPr lang="en-GB"/>
           </a:p>
@@ -2662,7 +2667,7 @@
           <a:p>
             <a:fld id="{E7F1DEE4-7B54-4FF4-8AD3-10DF4125BD60}" type="datetimeFigureOut">
               <a:rPr lang="en-GB" smtClean="0"/>
-              <a:t>23/01/2024</a:t>
+              <a:t>26/01/2024</a:t>
             </a:fld>
             <a:endParaRPr lang="en-GB"/>
           </a:p>
@@ -2757,7 +2762,7 @@
           <a:p>
             <a:fld id="{E7F1DEE4-7B54-4FF4-8AD3-10DF4125BD60}" type="datetimeFigureOut">
               <a:rPr lang="en-GB" smtClean="0"/>
-              <a:t>23/01/2024</a:t>
+              <a:t>26/01/2024</a:t>
             </a:fld>
             <a:endParaRPr lang="en-GB"/>
           </a:p>
@@ -3034,7 +3039,7 @@
           <a:p>
             <a:fld id="{E7F1DEE4-7B54-4FF4-8AD3-10DF4125BD60}" type="datetimeFigureOut">
               <a:rPr lang="en-GB" smtClean="0"/>
-              <a:t>23/01/2024</a:t>
+              <a:t>26/01/2024</a:t>
             </a:fld>
             <a:endParaRPr lang="en-GB"/>
           </a:p>
@@ -3291,7 +3296,7 @@
           <a:p>
             <a:fld id="{E7F1DEE4-7B54-4FF4-8AD3-10DF4125BD60}" type="datetimeFigureOut">
               <a:rPr lang="en-GB" smtClean="0"/>
-              <a:t>23/01/2024</a:t>
+              <a:t>26/01/2024</a:t>
             </a:fld>
             <a:endParaRPr lang="en-GB"/>
           </a:p>
@@ -3504,7 +3509,7 @@
           <a:p>
             <a:fld id="{E7F1DEE4-7B54-4FF4-8AD3-10DF4125BD60}" type="datetimeFigureOut">
               <a:rPr lang="en-GB" smtClean="0"/>
-              <a:t>23/01/2024</a:t>
+              <a:t>26/01/2024</a:t>
             </a:fld>
             <a:endParaRPr lang="en-GB"/>
           </a:p>
@@ -5085,6 +5090,9 @@
           <a:prstGeom prst="rect">
             <a:avLst/>
           </a:prstGeom>
+          <a:ln>
+            <a:noFill/>
+          </a:ln>
         </p:spPr>
         <p:style>
           <a:lnRef idx="2">
@@ -5143,6 +5151,9 @@
           <a:prstGeom prst="rect">
             <a:avLst/>
           </a:prstGeom>
+          <a:ln>
+            <a:noFill/>
+          </a:ln>
         </p:spPr>
         <p:style>
           <a:lnRef idx="2">
@@ -5201,6 +5212,9 @@
           <a:prstGeom prst="rect">
             <a:avLst/>
           </a:prstGeom>
+          <a:ln>
+            <a:noFill/>
+          </a:ln>
         </p:spPr>
         <p:style>
           <a:lnRef idx="2">
@@ -5259,6 +5273,9 @@
           <a:prstGeom prst="rect">
             <a:avLst/>
           </a:prstGeom>
+          <a:ln>
+            <a:noFill/>
+          </a:ln>
         </p:spPr>
         <p:style>
           <a:lnRef idx="2">
@@ -5317,6 +5334,9 @@
           <a:prstGeom prst="rect">
             <a:avLst/>
           </a:prstGeom>
+          <a:ln>
+            <a:noFill/>
+          </a:ln>
         </p:spPr>
         <p:style>
           <a:lnRef idx="2">
@@ -5375,6 +5395,9 @@
           <a:prstGeom prst="rect">
             <a:avLst/>
           </a:prstGeom>
+          <a:ln>
+            <a:noFill/>
+          </a:ln>
         </p:spPr>
         <p:style>
           <a:lnRef idx="2">
@@ -5433,6 +5456,9 @@
           <a:prstGeom prst="rect">
             <a:avLst/>
           </a:prstGeom>
+          <a:ln>
+            <a:noFill/>
+          </a:ln>
         </p:spPr>
         <p:style>
           <a:lnRef idx="2">
@@ -5491,6 +5517,9 @@
           <a:prstGeom prst="rect">
             <a:avLst/>
           </a:prstGeom>
+          <a:ln>
+            <a:noFill/>
+          </a:ln>
         </p:spPr>
         <p:style>
           <a:lnRef idx="2">
@@ -5560,6 +5589,9 @@
           <a:prstGeom prst="rect">
             <a:avLst/>
           </a:prstGeom>
+          <a:ln>
+            <a:noFill/>
+          </a:ln>
         </p:spPr>
         <p:style>
           <a:lnRef idx="2">
@@ -5618,6 +5650,9 @@
           <a:prstGeom prst="rect">
             <a:avLst/>
           </a:prstGeom>
+          <a:ln>
+            <a:noFill/>
+          </a:ln>
         </p:spPr>
         <p:style>
           <a:lnRef idx="2">
@@ -5676,6 +5711,9 @@
           <a:prstGeom prst="rect">
             <a:avLst/>
           </a:prstGeom>
+          <a:ln>
+            <a:noFill/>
+          </a:ln>
         </p:spPr>
         <p:style>
           <a:lnRef idx="2">
@@ -5734,6 +5772,9 @@
           <a:prstGeom prst="rect">
             <a:avLst/>
           </a:prstGeom>
+          <a:ln>
+            <a:noFill/>
+          </a:ln>
         </p:spPr>
         <p:style>
           <a:lnRef idx="2">
@@ -5792,6 +5833,9 @@
           <a:prstGeom prst="rect">
             <a:avLst/>
           </a:prstGeom>
+          <a:ln>
+            <a:noFill/>
+          </a:ln>
         </p:spPr>
         <p:style>
           <a:lnRef idx="2">
@@ -5850,6 +5894,9 @@
           <a:prstGeom prst="rect">
             <a:avLst/>
           </a:prstGeom>
+          <a:ln>
+            <a:noFill/>
+          </a:ln>
         </p:spPr>
         <p:style>
           <a:lnRef idx="2">
@@ -5908,6 +5955,9 @@
           <a:prstGeom prst="rect">
             <a:avLst/>
           </a:prstGeom>
+          <a:ln>
+            <a:noFill/>
+          </a:ln>
         </p:spPr>
         <p:style>
           <a:lnRef idx="2">
@@ -5986,6 +6036,9 @@
             <a:prstGeom prst="rect">
               <a:avLst/>
             </a:prstGeom>
+            <a:ln>
+              <a:noFill/>
+            </a:ln>
           </p:spPr>
           <p:style>
             <a:lnRef idx="2">
@@ -6044,6 +6097,9 @@
             <a:prstGeom prst="rect">
               <a:avLst/>
             </a:prstGeom>
+            <a:ln>
+              <a:noFill/>
+            </a:ln>
           </p:spPr>
           <p:style>
             <a:lnRef idx="2">
@@ -6123,6 +6179,9 @@
             <a:prstGeom prst="rect">
               <a:avLst/>
             </a:prstGeom>
+            <a:ln>
+              <a:noFill/>
+            </a:ln>
           </p:spPr>
           <p:style>
             <a:lnRef idx="2">
@@ -6181,6 +6240,9 @@
             <a:prstGeom prst="rect">
               <a:avLst/>
             </a:prstGeom>
+            <a:ln>
+              <a:noFill/>
+            </a:ln>
           </p:spPr>
           <p:style>
             <a:lnRef idx="2">
@@ -6240,6 +6302,9 @@
           <a:prstGeom prst="rect">
             <a:avLst/>
           </a:prstGeom>
+          <a:ln>
+            <a:noFill/>
+          </a:ln>
         </p:spPr>
         <p:style>
           <a:lnRef idx="2">
@@ -6318,6 +6383,9 @@
             <a:prstGeom prst="rect">
               <a:avLst/>
             </a:prstGeom>
+            <a:ln>
+              <a:noFill/>
+            </a:ln>
           </p:spPr>
           <p:style>
             <a:lnRef idx="2">
@@ -6376,6 +6444,9 @@
             <a:prstGeom prst="rect">
               <a:avLst/>
             </a:prstGeom>
+            <a:ln>
+              <a:noFill/>
+            </a:ln>
           </p:spPr>
           <p:style>
             <a:lnRef idx="2">
@@ -6435,6 +6506,9 @@
           <a:prstGeom prst="rect">
             <a:avLst/>
           </a:prstGeom>
+          <a:ln>
+            <a:noFill/>
+          </a:ln>
         </p:spPr>
         <p:style>
           <a:lnRef idx="2">
@@ -6468,6 +6542,3524 @@
             <a:endParaRPr lang="en-GB" sz="700" b="1" dirty="0">
               <a:solidFill>
                 <a:schemeClr val="bg1"/>
+              </a:solidFill>
+            </a:endParaRPr>
+          </a:p>
+        </p:txBody>
+      </p:sp>
+      <p:sp>
+        <p:nvSpPr>
+          <p:cNvPr id="2" name="Rectangle 1">
+            <a:extLst>
+              <a:ext uri="{FF2B5EF4-FFF2-40B4-BE49-F238E27FC236}">
+                <a16:creationId xmlns:a16="http://schemas.microsoft.com/office/drawing/2014/main" id="{85557766-EF9B-DC94-3E11-198562F8CE48}"/>
+              </a:ext>
+            </a:extLst>
+          </p:cNvPr>
+          <p:cNvSpPr/>
+          <p:nvPr/>
+        </p:nvSpPr>
+        <p:spPr>
+          <a:xfrm>
+            <a:off x="3311598" y="499049"/>
+            <a:ext cx="360000" cy="432000"/>
+          </a:xfrm>
+          <a:prstGeom prst="rect">
+            <a:avLst/>
+          </a:prstGeom>
+          <a:solidFill>
+            <a:schemeClr val="bg1"/>
+          </a:solidFill>
+          <a:ln>
+            <a:noFill/>
+          </a:ln>
+        </p:spPr>
+        <p:style>
+          <a:lnRef idx="2">
+            <a:schemeClr val="dk1">
+              <a:shade val="15000"/>
+            </a:schemeClr>
+          </a:lnRef>
+          <a:fillRef idx="1">
+            <a:schemeClr val="dk1"/>
+          </a:fillRef>
+          <a:effectRef idx="0">
+            <a:schemeClr val="dk1"/>
+          </a:effectRef>
+          <a:fontRef idx="minor">
+            <a:schemeClr val="lt1"/>
+          </a:fontRef>
+        </p:style>
+        <p:txBody>
+          <a:bodyPr lIns="28800" tIns="28800" rIns="28800" bIns="28800" rtlCol="0" anchor="ctr"/>
+          <a:lstStyle/>
+          <a:p>
+            <a:r>
+              <a:rPr lang="fr-FR" sz="1200" b="1" dirty="0">
+                <a:solidFill>
+                  <a:schemeClr val="tx1"/>
+                </a:solidFill>
+              </a:rPr>
+              <a:t>SH</a:t>
+            </a:r>
+            <a:br>
+              <a:rPr lang="fr-FR" sz="1200" b="1" dirty="0">
+                <a:solidFill>
+                  <a:schemeClr val="tx1"/>
+                </a:solidFill>
+              </a:rPr>
+            </a:br>
+            <a:r>
+              <a:rPr lang="fr-FR" sz="1200" b="1" dirty="0">
+                <a:solidFill>
+                  <a:schemeClr val="tx1"/>
+                </a:solidFill>
+              </a:rPr>
+              <a:t>FT</a:t>
+            </a:r>
+            <a:endParaRPr lang="en-GB" sz="1200" b="1" dirty="0">
+              <a:solidFill>
+                <a:schemeClr val="tx1"/>
+              </a:solidFill>
+            </a:endParaRPr>
+          </a:p>
+        </p:txBody>
+      </p:sp>
+      <p:sp>
+        <p:nvSpPr>
+          <p:cNvPr id="3" name="Rectangle 2">
+            <a:extLst>
+              <a:ext uri="{FF2B5EF4-FFF2-40B4-BE49-F238E27FC236}">
+                <a16:creationId xmlns:a16="http://schemas.microsoft.com/office/drawing/2014/main" id="{358DC329-4E5F-8B8F-5559-9DDD011C77E2}"/>
+              </a:ext>
+            </a:extLst>
+          </p:cNvPr>
+          <p:cNvSpPr/>
+          <p:nvPr/>
+        </p:nvSpPr>
+        <p:spPr>
+          <a:xfrm>
+            <a:off x="3710020" y="499049"/>
+            <a:ext cx="360000" cy="432000"/>
+          </a:xfrm>
+          <a:prstGeom prst="rect">
+            <a:avLst/>
+          </a:prstGeom>
+          <a:solidFill>
+            <a:srgbClr val="7030A0"/>
+          </a:solidFill>
+          <a:ln>
+            <a:noFill/>
+          </a:ln>
+        </p:spPr>
+        <p:style>
+          <a:lnRef idx="2">
+            <a:schemeClr val="dk1">
+              <a:shade val="15000"/>
+            </a:schemeClr>
+          </a:lnRef>
+          <a:fillRef idx="1">
+            <a:schemeClr val="dk1"/>
+          </a:fillRef>
+          <a:effectRef idx="0">
+            <a:schemeClr val="dk1"/>
+          </a:effectRef>
+          <a:fontRef idx="minor">
+            <a:schemeClr val="lt1"/>
+          </a:fontRef>
+        </p:style>
+        <p:txBody>
+          <a:bodyPr lIns="28800" tIns="28800" rIns="28800" bIns="28800" rtlCol="0" anchor="ctr"/>
+          <a:lstStyle/>
+          <a:p>
+            <a:r>
+              <a:rPr lang="fr-FR" sz="1200" b="1" dirty="0">
+                <a:solidFill>
+                  <a:schemeClr val="tx1"/>
+                </a:solidFill>
+              </a:rPr>
+              <a:t>LO</a:t>
+            </a:r>
+            <a:br>
+              <a:rPr lang="fr-FR" sz="1200" b="1" dirty="0">
+                <a:solidFill>
+                  <a:schemeClr val="tx1"/>
+                </a:solidFill>
+              </a:rPr>
+            </a:br>
+            <a:r>
+              <a:rPr lang="fr-FR" sz="1200" b="1" dirty="0">
+                <a:solidFill>
+                  <a:schemeClr val="tx1"/>
+                </a:solidFill>
+              </a:rPr>
+              <a:t>AD</a:t>
+            </a:r>
+            <a:endParaRPr lang="en-GB" sz="1200" b="1" dirty="0">
+              <a:solidFill>
+                <a:schemeClr val="tx1"/>
+              </a:solidFill>
+            </a:endParaRPr>
+          </a:p>
+        </p:txBody>
+      </p:sp>
+      <p:sp>
+        <p:nvSpPr>
+          <p:cNvPr id="6" name="Rectangle 5">
+            <a:extLst>
+              <a:ext uri="{FF2B5EF4-FFF2-40B4-BE49-F238E27FC236}">
+                <a16:creationId xmlns:a16="http://schemas.microsoft.com/office/drawing/2014/main" id="{0DC15CAE-9E84-F731-7D37-30CBD6F11FC4}"/>
+              </a:ext>
+            </a:extLst>
+          </p:cNvPr>
+          <p:cNvSpPr/>
+          <p:nvPr/>
+        </p:nvSpPr>
+        <p:spPr>
+          <a:xfrm>
+            <a:off x="4506865" y="499049"/>
+            <a:ext cx="360000" cy="432000"/>
+          </a:xfrm>
+          <a:prstGeom prst="rect">
+            <a:avLst/>
+          </a:prstGeom>
+          <a:solidFill>
+            <a:srgbClr val="7030A0"/>
+          </a:solidFill>
+          <a:ln>
+            <a:noFill/>
+          </a:ln>
+        </p:spPr>
+        <p:style>
+          <a:lnRef idx="2">
+            <a:schemeClr val="dk1">
+              <a:shade val="15000"/>
+            </a:schemeClr>
+          </a:lnRef>
+          <a:fillRef idx="1">
+            <a:schemeClr val="dk1"/>
+          </a:fillRef>
+          <a:effectRef idx="0">
+            <a:schemeClr val="dk1"/>
+          </a:effectRef>
+          <a:fontRef idx="minor">
+            <a:schemeClr val="lt1"/>
+          </a:fontRef>
+        </p:style>
+        <p:txBody>
+          <a:bodyPr lIns="28800" tIns="28800" rIns="28800" bIns="28800" rtlCol="0" anchor="ctr"/>
+          <a:lstStyle/>
+          <a:p>
+            <a:r>
+              <a:rPr lang="fr-FR" sz="1200" b="1" dirty="0">
+                <a:solidFill>
+                  <a:schemeClr val="tx1"/>
+                </a:solidFill>
+              </a:rPr>
+              <a:t>SA</a:t>
+            </a:r>
+            <a:br>
+              <a:rPr lang="fr-FR" sz="1200" b="1" dirty="0">
+                <a:solidFill>
+                  <a:schemeClr val="tx1"/>
+                </a:solidFill>
+              </a:rPr>
+            </a:br>
+            <a:r>
+              <a:rPr lang="fr-FR" sz="1200" b="1" dirty="0">
+                <a:solidFill>
+                  <a:schemeClr val="tx1"/>
+                </a:solidFill>
+              </a:rPr>
+              <a:t>VE</a:t>
+            </a:r>
+            <a:endParaRPr lang="en-GB" sz="1200" b="1" dirty="0">
+              <a:solidFill>
+                <a:schemeClr val="tx1"/>
+              </a:solidFill>
+            </a:endParaRPr>
+          </a:p>
+        </p:txBody>
+      </p:sp>
+      <p:sp>
+        <p:nvSpPr>
+          <p:cNvPr id="8" name="Rectangle 7">
+            <a:extLst>
+              <a:ext uri="{FF2B5EF4-FFF2-40B4-BE49-F238E27FC236}">
+                <a16:creationId xmlns:a16="http://schemas.microsoft.com/office/drawing/2014/main" id="{FED9AC07-19FC-5183-00EC-BFDAFBA64558}"/>
+              </a:ext>
+            </a:extLst>
+          </p:cNvPr>
+          <p:cNvSpPr/>
+          <p:nvPr/>
+        </p:nvSpPr>
+        <p:spPr>
+          <a:xfrm>
+            <a:off x="3311598" y="984156"/>
+            <a:ext cx="360000" cy="432000"/>
+          </a:xfrm>
+          <a:prstGeom prst="rect">
+            <a:avLst/>
+          </a:prstGeom>
+          <a:solidFill>
+            <a:srgbClr val="FF00FF"/>
+          </a:solidFill>
+          <a:ln>
+            <a:noFill/>
+          </a:ln>
+        </p:spPr>
+        <p:style>
+          <a:lnRef idx="2">
+            <a:schemeClr val="dk1">
+              <a:shade val="15000"/>
+            </a:schemeClr>
+          </a:lnRef>
+          <a:fillRef idx="1">
+            <a:schemeClr val="dk1"/>
+          </a:fillRef>
+          <a:effectRef idx="0">
+            <a:schemeClr val="dk1"/>
+          </a:effectRef>
+          <a:fontRef idx="minor">
+            <a:schemeClr val="lt1"/>
+          </a:fontRef>
+        </p:style>
+        <p:txBody>
+          <a:bodyPr lIns="28800" tIns="28800" rIns="28800" bIns="28800" rtlCol="0" anchor="ctr"/>
+          <a:lstStyle/>
+          <a:p>
+            <a:r>
+              <a:rPr lang="fr-FR" sz="1200" b="1" dirty="0">
+                <a:solidFill>
+                  <a:schemeClr val="tx1"/>
+                </a:solidFill>
+              </a:rPr>
+              <a:t>AD</a:t>
+            </a:r>
+            <a:br>
+              <a:rPr lang="fr-FR" sz="1200" b="1" dirty="0">
+                <a:solidFill>
+                  <a:schemeClr val="tx1"/>
+                </a:solidFill>
+              </a:rPr>
+            </a:br>
+            <a:r>
+              <a:rPr lang="fr-FR" sz="1200" b="1" dirty="0">
+                <a:solidFill>
+                  <a:schemeClr val="tx1"/>
+                </a:solidFill>
+              </a:rPr>
+              <a:t>BR</a:t>
+            </a:r>
+            <a:endParaRPr lang="en-GB" sz="1200" b="1" dirty="0">
+              <a:solidFill>
+                <a:schemeClr val="tx1"/>
+              </a:solidFill>
+            </a:endParaRPr>
+          </a:p>
+        </p:txBody>
+      </p:sp>
+      <p:sp>
+        <p:nvSpPr>
+          <p:cNvPr id="9" name="Rectangle 8">
+            <a:extLst>
+              <a:ext uri="{FF2B5EF4-FFF2-40B4-BE49-F238E27FC236}">
+                <a16:creationId xmlns:a16="http://schemas.microsoft.com/office/drawing/2014/main" id="{812A09F6-2F0A-87EB-F57F-486D7CD014B9}"/>
+              </a:ext>
+            </a:extLst>
+          </p:cNvPr>
+          <p:cNvSpPr/>
+          <p:nvPr/>
+        </p:nvSpPr>
+        <p:spPr>
+          <a:xfrm>
+            <a:off x="3710020" y="984156"/>
+            <a:ext cx="360000" cy="432000"/>
+          </a:xfrm>
+          <a:prstGeom prst="rect">
+            <a:avLst/>
+          </a:prstGeom>
+          <a:solidFill>
+            <a:srgbClr val="FF00FF"/>
+          </a:solidFill>
+          <a:ln>
+            <a:noFill/>
+          </a:ln>
+        </p:spPr>
+        <p:style>
+          <a:lnRef idx="2">
+            <a:schemeClr val="dk1">
+              <a:shade val="15000"/>
+            </a:schemeClr>
+          </a:lnRef>
+          <a:fillRef idx="1">
+            <a:schemeClr val="dk1"/>
+          </a:fillRef>
+          <a:effectRef idx="0">
+            <a:schemeClr val="dk1"/>
+          </a:effectRef>
+          <a:fontRef idx="minor">
+            <a:schemeClr val="lt1"/>
+          </a:fontRef>
+        </p:style>
+        <p:txBody>
+          <a:bodyPr lIns="28800" tIns="28800" rIns="28800" bIns="28800" rtlCol="0" anchor="ctr"/>
+          <a:lstStyle/>
+          <a:p>
+            <a:r>
+              <a:rPr lang="fr-FR" sz="1200" b="1" dirty="0">
+                <a:solidFill>
+                  <a:schemeClr val="tx1"/>
+                </a:solidFill>
+              </a:rPr>
+              <a:t>RM</a:t>
+            </a:r>
+            <a:br>
+              <a:rPr lang="en-GB" sz="1200" b="1" dirty="0">
+                <a:solidFill>
+                  <a:schemeClr val="tx1"/>
+                </a:solidFill>
+              </a:rPr>
+            </a:br>
+            <a:r>
+              <a:rPr lang="en-GB" sz="1200" b="1" dirty="0">
+                <a:solidFill>
+                  <a:schemeClr val="tx1"/>
+                </a:solidFill>
+              </a:rPr>
+              <a:t>BR</a:t>
+            </a:r>
+            <a:endParaRPr lang="fr-FR" sz="1200" b="1" dirty="0">
+              <a:solidFill>
+                <a:schemeClr val="tx1"/>
+              </a:solidFill>
+            </a:endParaRPr>
+          </a:p>
+        </p:txBody>
+      </p:sp>
+      <p:sp>
+        <p:nvSpPr>
+          <p:cNvPr id="14" name="Rectangle 13">
+            <a:extLst>
+              <a:ext uri="{FF2B5EF4-FFF2-40B4-BE49-F238E27FC236}">
+                <a16:creationId xmlns:a16="http://schemas.microsoft.com/office/drawing/2014/main" id="{5209F525-218C-42E0-509D-E6AA70C31904}"/>
+              </a:ext>
+            </a:extLst>
+          </p:cNvPr>
+          <p:cNvSpPr/>
+          <p:nvPr/>
+        </p:nvSpPr>
+        <p:spPr>
+          <a:xfrm>
+            <a:off x="4108443" y="984156"/>
+            <a:ext cx="360000" cy="432000"/>
+          </a:xfrm>
+          <a:prstGeom prst="rect">
+            <a:avLst/>
+          </a:prstGeom>
+          <a:solidFill>
+            <a:srgbClr val="FF00FF"/>
+          </a:solidFill>
+          <a:ln>
+            <a:noFill/>
+          </a:ln>
+        </p:spPr>
+        <p:style>
+          <a:lnRef idx="2">
+            <a:schemeClr val="dk1">
+              <a:shade val="15000"/>
+            </a:schemeClr>
+          </a:lnRef>
+          <a:fillRef idx="1">
+            <a:schemeClr val="dk1"/>
+          </a:fillRef>
+          <a:effectRef idx="0">
+            <a:schemeClr val="dk1"/>
+          </a:effectRef>
+          <a:fontRef idx="minor">
+            <a:schemeClr val="lt1"/>
+          </a:fontRef>
+        </p:style>
+        <p:txBody>
+          <a:bodyPr lIns="28800" tIns="28800" rIns="28800" bIns="28800" rtlCol="0" anchor="ctr"/>
+          <a:lstStyle/>
+          <a:p>
+            <a:r>
+              <a:rPr lang="fr-FR" sz="1200" b="1" dirty="0">
+                <a:solidFill>
+                  <a:schemeClr val="tx1"/>
+                </a:solidFill>
+              </a:rPr>
+              <a:t>1 –</a:t>
+            </a:r>
+            <a:br>
+              <a:rPr lang="fr-FR" sz="1200" b="1" dirty="0">
+                <a:solidFill>
+                  <a:schemeClr val="tx1"/>
+                </a:solidFill>
+              </a:rPr>
+            </a:br>
+            <a:r>
+              <a:rPr lang="fr-FR" sz="1200" b="1" dirty="0">
+                <a:solidFill>
+                  <a:schemeClr val="tx1"/>
+                </a:solidFill>
+              </a:rPr>
+              <a:t>2</a:t>
+            </a:r>
+            <a:endParaRPr lang="en-GB" sz="1200" b="1" dirty="0">
+              <a:solidFill>
+                <a:schemeClr val="tx1"/>
+              </a:solidFill>
+            </a:endParaRPr>
+          </a:p>
+        </p:txBody>
+      </p:sp>
+      <p:sp>
+        <p:nvSpPr>
+          <p:cNvPr id="16" name="Rectangle 15">
+            <a:extLst>
+              <a:ext uri="{FF2B5EF4-FFF2-40B4-BE49-F238E27FC236}">
+                <a16:creationId xmlns:a16="http://schemas.microsoft.com/office/drawing/2014/main" id="{D7D8F3F3-AD74-7C32-D2F3-6FE4D64047C3}"/>
+              </a:ext>
+            </a:extLst>
+          </p:cNvPr>
+          <p:cNvSpPr/>
+          <p:nvPr/>
+        </p:nvSpPr>
+        <p:spPr>
+          <a:xfrm>
+            <a:off x="4506865" y="984156"/>
+            <a:ext cx="360000" cy="432000"/>
+          </a:xfrm>
+          <a:prstGeom prst="rect">
+            <a:avLst/>
+          </a:prstGeom>
+          <a:solidFill>
+            <a:srgbClr val="FF00FF"/>
+          </a:solidFill>
+          <a:ln>
+            <a:noFill/>
+          </a:ln>
+        </p:spPr>
+        <p:style>
+          <a:lnRef idx="2">
+            <a:schemeClr val="dk1">
+              <a:shade val="15000"/>
+            </a:schemeClr>
+          </a:lnRef>
+          <a:fillRef idx="1">
+            <a:schemeClr val="dk1"/>
+          </a:fillRef>
+          <a:effectRef idx="0">
+            <a:schemeClr val="dk1"/>
+          </a:effectRef>
+          <a:fontRef idx="minor">
+            <a:schemeClr val="lt1"/>
+          </a:fontRef>
+        </p:style>
+        <p:txBody>
+          <a:bodyPr lIns="28800" tIns="28800" rIns="28800" bIns="28800" rtlCol="0" anchor="ctr"/>
+          <a:lstStyle/>
+          <a:p>
+            <a:r>
+              <a:rPr lang="fr-FR" sz="1200" b="1" dirty="0">
+                <a:solidFill>
+                  <a:schemeClr val="tx1"/>
+                </a:solidFill>
+              </a:rPr>
+              <a:t>1 +</a:t>
+            </a:r>
+            <a:br>
+              <a:rPr lang="fr-FR" sz="1200" b="1" dirty="0">
+                <a:solidFill>
+                  <a:schemeClr val="tx1"/>
+                </a:solidFill>
+              </a:rPr>
+            </a:br>
+            <a:r>
+              <a:rPr lang="fr-FR" sz="1200" b="1" dirty="0">
+                <a:solidFill>
+                  <a:schemeClr val="tx1"/>
+                </a:solidFill>
+              </a:rPr>
+              <a:t>2</a:t>
+            </a:r>
+            <a:endParaRPr lang="en-GB" sz="1200" b="1" dirty="0">
+              <a:solidFill>
+                <a:schemeClr val="tx1"/>
+              </a:solidFill>
+            </a:endParaRPr>
+          </a:p>
+        </p:txBody>
+      </p:sp>
+      <p:sp>
+        <p:nvSpPr>
+          <p:cNvPr id="17" name="Rectangle 16">
+            <a:extLst>
+              <a:ext uri="{FF2B5EF4-FFF2-40B4-BE49-F238E27FC236}">
+                <a16:creationId xmlns:a16="http://schemas.microsoft.com/office/drawing/2014/main" id="{4B0A0169-F9E8-51AD-8B0D-651802E02FDE}"/>
+              </a:ext>
+            </a:extLst>
+          </p:cNvPr>
+          <p:cNvSpPr/>
+          <p:nvPr/>
+        </p:nvSpPr>
+        <p:spPr>
+          <a:xfrm>
+            <a:off x="3311598" y="1468206"/>
+            <a:ext cx="360000" cy="432000"/>
+          </a:xfrm>
+          <a:prstGeom prst="rect">
+            <a:avLst/>
+          </a:prstGeom>
+          <a:solidFill>
+            <a:srgbClr val="FF6600"/>
+          </a:solidFill>
+          <a:ln>
+            <a:noFill/>
+          </a:ln>
+        </p:spPr>
+        <p:style>
+          <a:lnRef idx="2">
+            <a:schemeClr val="dk1">
+              <a:shade val="15000"/>
+            </a:schemeClr>
+          </a:lnRef>
+          <a:fillRef idx="1">
+            <a:schemeClr val="dk1"/>
+          </a:fillRef>
+          <a:effectRef idx="0">
+            <a:schemeClr val="dk1"/>
+          </a:effectRef>
+          <a:fontRef idx="minor">
+            <a:schemeClr val="lt1"/>
+          </a:fontRef>
+        </p:style>
+        <p:txBody>
+          <a:bodyPr lIns="28800" tIns="28800" rIns="28800" bIns="28800" rtlCol="0" anchor="ctr"/>
+          <a:lstStyle/>
+          <a:p>
+            <a:r>
+              <a:rPr lang="fr-FR" sz="1200" b="1" dirty="0">
+                <a:solidFill>
+                  <a:schemeClr val="tx1"/>
+                </a:solidFill>
+              </a:rPr>
+              <a:t>TA</a:t>
+            </a:r>
+            <a:br>
+              <a:rPr lang="fr-FR" sz="1200" b="1" dirty="0">
+                <a:solidFill>
+                  <a:schemeClr val="tx1"/>
+                </a:solidFill>
+              </a:rPr>
+            </a:br>
+            <a:r>
+              <a:rPr lang="fr-FR" sz="1200" b="1" dirty="0">
+                <a:solidFill>
+                  <a:schemeClr val="tx1"/>
+                </a:solidFill>
+              </a:rPr>
+              <a:t>P</a:t>
+            </a:r>
+            <a:endParaRPr lang="en-GB" sz="1200" b="1" dirty="0">
+              <a:solidFill>
+                <a:schemeClr val="tx1"/>
+              </a:solidFill>
+            </a:endParaRPr>
+          </a:p>
+        </p:txBody>
+      </p:sp>
+      <p:sp>
+        <p:nvSpPr>
+          <p:cNvPr id="19" name="Rectangle 18">
+            <a:extLst>
+              <a:ext uri="{FF2B5EF4-FFF2-40B4-BE49-F238E27FC236}">
+                <a16:creationId xmlns:a16="http://schemas.microsoft.com/office/drawing/2014/main" id="{71F6E20A-2224-CAC6-6BF9-5928238E9B20}"/>
+              </a:ext>
+            </a:extLst>
+          </p:cNvPr>
+          <p:cNvSpPr/>
+          <p:nvPr/>
+        </p:nvSpPr>
+        <p:spPr>
+          <a:xfrm>
+            <a:off x="4506865" y="1468206"/>
+            <a:ext cx="360000" cy="432000"/>
+          </a:xfrm>
+          <a:prstGeom prst="rect">
+            <a:avLst/>
+          </a:prstGeom>
+          <a:solidFill>
+            <a:srgbClr val="FF6600"/>
+          </a:solidFill>
+          <a:ln>
+            <a:noFill/>
+          </a:ln>
+        </p:spPr>
+        <p:style>
+          <a:lnRef idx="2">
+            <a:schemeClr val="dk1">
+              <a:shade val="15000"/>
+            </a:schemeClr>
+          </a:lnRef>
+          <a:fillRef idx="1">
+            <a:schemeClr val="dk1"/>
+          </a:fillRef>
+          <a:effectRef idx="0">
+            <a:schemeClr val="dk1"/>
+          </a:effectRef>
+          <a:fontRef idx="minor">
+            <a:schemeClr val="lt1"/>
+          </a:fontRef>
+        </p:style>
+        <p:txBody>
+          <a:bodyPr lIns="28800" tIns="28800" rIns="28800" bIns="28800" rtlCol="0" anchor="ctr"/>
+          <a:lstStyle/>
+          <a:p>
+            <a:r>
+              <a:rPr lang="fr-FR" sz="1200" b="1" dirty="0">
+                <a:solidFill>
+                  <a:schemeClr val="tx1"/>
+                </a:solidFill>
+              </a:rPr>
+              <a:t>ME</a:t>
+            </a:r>
+            <a:br>
+              <a:rPr lang="fr-FR" sz="1200" b="1" dirty="0">
+                <a:solidFill>
+                  <a:schemeClr val="tx1"/>
+                </a:solidFill>
+              </a:rPr>
+            </a:br>
+            <a:r>
+              <a:rPr lang="fr-FR" sz="1200" b="1" dirty="0">
+                <a:solidFill>
+                  <a:schemeClr val="tx1"/>
+                </a:solidFill>
+              </a:rPr>
+              <a:t>TR</a:t>
+            </a:r>
+            <a:endParaRPr lang="en-GB" sz="1200" b="1" dirty="0">
+              <a:solidFill>
+                <a:schemeClr val="tx1"/>
+              </a:solidFill>
+            </a:endParaRPr>
+          </a:p>
+        </p:txBody>
+      </p:sp>
+      <p:sp>
+        <p:nvSpPr>
+          <p:cNvPr id="22" name="Rectangle 21">
+            <a:extLst>
+              <a:ext uri="{FF2B5EF4-FFF2-40B4-BE49-F238E27FC236}">
+                <a16:creationId xmlns:a16="http://schemas.microsoft.com/office/drawing/2014/main" id="{3A14C57D-FCA5-2F36-1FEC-FDB3B9537A92}"/>
+              </a:ext>
+            </a:extLst>
+          </p:cNvPr>
+          <p:cNvSpPr/>
+          <p:nvPr/>
+        </p:nvSpPr>
+        <p:spPr>
+          <a:xfrm>
+            <a:off x="3311598" y="1954370"/>
+            <a:ext cx="360000" cy="432000"/>
+          </a:xfrm>
+          <a:prstGeom prst="rect">
+            <a:avLst/>
+          </a:prstGeom>
+          <a:solidFill>
+            <a:srgbClr val="FFFF00"/>
+          </a:solidFill>
+          <a:ln>
+            <a:noFill/>
+          </a:ln>
+        </p:spPr>
+        <p:style>
+          <a:lnRef idx="2">
+            <a:schemeClr val="dk1">
+              <a:shade val="15000"/>
+            </a:schemeClr>
+          </a:lnRef>
+          <a:fillRef idx="1">
+            <a:schemeClr val="dk1"/>
+          </a:fillRef>
+          <a:effectRef idx="0">
+            <a:schemeClr val="dk1"/>
+          </a:effectRef>
+          <a:fontRef idx="minor">
+            <a:schemeClr val="lt1"/>
+          </a:fontRef>
+        </p:style>
+        <p:txBody>
+          <a:bodyPr lIns="28800" tIns="28800" rIns="28800" bIns="28800" rtlCol="0" anchor="ctr"/>
+          <a:lstStyle/>
+          <a:p>
+            <a:r>
+              <a:rPr lang="fr-FR" sz="1200" b="1" dirty="0">
+                <a:solidFill>
+                  <a:schemeClr val="tx1"/>
+                </a:solidFill>
+              </a:rPr>
+              <a:t>CO</a:t>
+            </a:r>
+            <a:br>
+              <a:rPr lang="fr-FR" sz="1200" b="1" dirty="0">
+                <a:solidFill>
+                  <a:schemeClr val="tx1"/>
+                </a:solidFill>
+              </a:rPr>
+            </a:br>
+            <a:r>
+              <a:rPr lang="fr-FR" sz="1200" b="1" dirty="0">
+                <a:solidFill>
+                  <a:schemeClr val="tx1"/>
+                </a:solidFill>
+              </a:rPr>
+              <a:t>PY</a:t>
+            </a:r>
+            <a:endParaRPr lang="en-GB" sz="1200" b="1" dirty="0">
+              <a:solidFill>
+                <a:schemeClr val="tx1"/>
+              </a:solidFill>
+            </a:endParaRPr>
+          </a:p>
+        </p:txBody>
+      </p:sp>
+      <p:sp>
+        <p:nvSpPr>
+          <p:cNvPr id="24" name="Rectangle 23">
+            <a:extLst>
+              <a:ext uri="{FF2B5EF4-FFF2-40B4-BE49-F238E27FC236}">
+                <a16:creationId xmlns:a16="http://schemas.microsoft.com/office/drawing/2014/main" id="{ECC626DB-AEDE-1411-F1B0-92EB0E4ADDFA}"/>
+              </a:ext>
+            </a:extLst>
+          </p:cNvPr>
+          <p:cNvSpPr/>
+          <p:nvPr/>
+        </p:nvSpPr>
+        <p:spPr>
+          <a:xfrm>
+            <a:off x="3710020" y="1954370"/>
+            <a:ext cx="360000" cy="432000"/>
+          </a:xfrm>
+          <a:prstGeom prst="rect">
+            <a:avLst/>
+          </a:prstGeom>
+          <a:solidFill>
+            <a:srgbClr val="FFFF00"/>
+          </a:solidFill>
+          <a:ln>
+            <a:noFill/>
+          </a:ln>
+        </p:spPr>
+        <p:style>
+          <a:lnRef idx="2">
+            <a:schemeClr val="dk1">
+              <a:shade val="15000"/>
+            </a:schemeClr>
+          </a:lnRef>
+          <a:fillRef idx="1">
+            <a:schemeClr val="dk1"/>
+          </a:fillRef>
+          <a:effectRef idx="0">
+            <a:schemeClr val="dk1"/>
+          </a:effectRef>
+          <a:fontRef idx="minor">
+            <a:schemeClr val="lt1"/>
+          </a:fontRef>
+        </p:style>
+        <p:txBody>
+          <a:bodyPr lIns="28800" tIns="28800" rIns="28800" bIns="28800" rtlCol="0" anchor="ctr"/>
+          <a:lstStyle/>
+          <a:p>
+            <a:r>
+              <a:rPr lang="fr-FR" sz="1200" b="1" dirty="0">
+                <a:solidFill>
+                  <a:schemeClr val="tx1"/>
+                </a:solidFill>
+              </a:rPr>
+              <a:t>CU</a:t>
+            </a:r>
+            <a:br>
+              <a:rPr lang="fr-FR" sz="1200" b="1" dirty="0">
+                <a:solidFill>
+                  <a:schemeClr val="tx1"/>
+                </a:solidFill>
+              </a:rPr>
+            </a:br>
+            <a:r>
+              <a:rPr lang="fr-FR" sz="1200" b="1" dirty="0">
+                <a:solidFill>
+                  <a:schemeClr val="tx1"/>
+                </a:solidFill>
+              </a:rPr>
+              <a:t>T</a:t>
+            </a:r>
+            <a:endParaRPr lang="en-GB" sz="1200" b="1" dirty="0">
+              <a:solidFill>
+                <a:schemeClr val="tx1"/>
+              </a:solidFill>
+            </a:endParaRPr>
+          </a:p>
+        </p:txBody>
+      </p:sp>
+      <p:sp>
+        <p:nvSpPr>
+          <p:cNvPr id="27" name="Rectangle 26">
+            <a:extLst>
+              <a:ext uri="{FF2B5EF4-FFF2-40B4-BE49-F238E27FC236}">
+                <a16:creationId xmlns:a16="http://schemas.microsoft.com/office/drawing/2014/main" id="{36F9E834-8ADF-A528-17E5-84F78A72D1F2}"/>
+              </a:ext>
+            </a:extLst>
+          </p:cNvPr>
+          <p:cNvSpPr/>
+          <p:nvPr/>
+        </p:nvSpPr>
+        <p:spPr>
+          <a:xfrm>
+            <a:off x="4506865" y="1954370"/>
+            <a:ext cx="360000" cy="432000"/>
+          </a:xfrm>
+          <a:prstGeom prst="rect">
+            <a:avLst/>
+          </a:prstGeom>
+          <a:solidFill>
+            <a:srgbClr val="00B0F0"/>
+          </a:solidFill>
+          <a:ln>
+            <a:noFill/>
+          </a:ln>
+        </p:spPr>
+        <p:style>
+          <a:lnRef idx="2">
+            <a:schemeClr val="dk1">
+              <a:shade val="15000"/>
+            </a:schemeClr>
+          </a:lnRef>
+          <a:fillRef idx="1">
+            <a:schemeClr val="dk1"/>
+          </a:fillRef>
+          <a:effectRef idx="0">
+            <a:schemeClr val="dk1"/>
+          </a:effectRef>
+          <a:fontRef idx="minor">
+            <a:schemeClr val="lt1"/>
+          </a:fontRef>
+        </p:style>
+        <p:txBody>
+          <a:bodyPr lIns="28800" tIns="28800" rIns="28800" bIns="28800" rtlCol="0" anchor="ctr"/>
+          <a:lstStyle/>
+          <a:p>
+            <a:r>
+              <a:rPr lang="fr-FR" sz="1200" b="1" dirty="0">
+                <a:solidFill>
+                  <a:schemeClr val="tx1"/>
+                </a:solidFill>
+              </a:rPr>
+              <a:t>PL</a:t>
+            </a:r>
+            <a:br>
+              <a:rPr lang="fr-FR" sz="1200" b="1" dirty="0">
+                <a:solidFill>
+                  <a:schemeClr val="tx1"/>
+                </a:solidFill>
+              </a:rPr>
+            </a:br>
+            <a:r>
+              <a:rPr lang="fr-FR" sz="1200" b="1" dirty="0">
+                <a:solidFill>
+                  <a:schemeClr val="tx1"/>
+                </a:solidFill>
+              </a:rPr>
+              <a:t>AY</a:t>
+            </a:r>
+            <a:endParaRPr lang="en-GB" sz="1200" b="1" dirty="0">
+              <a:solidFill>
+                <a:schemeClr val="tx1"/>
+              </a:solidFill>
+            </a:endParaRPr>
+          </a:p>
+        </p:txBody>
+      </p:sp>
+      <p:sp>
+        <p:nvSpPr>
+          <p:cNvPr id="29" name="Rectangle 28">
+            <a:extLst>
+              <a:ext uri="{FF2B5EF4-FFF2-40B4-BE49-F238E27FC236}">
+                <a16:creationId xmlns:a16="http://schemas.microsoft.com/office/drawing/2014/main" id="{B82CBE77-A62C-655C-C68F-B4E23123CACC}"/>
+              </a:ext>
+            </a:extLst>
+          </p:cNvPr>
+          <p:cNvSpPr/>
+          <p:nvPr/>
+        </p:nvSpPr>
+        <p:spPr>
+          <a:xfrm>
+            <a:off x="3311598" y="2439478"/>
+            <a:ext cx="360000" cy="432000"/>
+          </a:xfrm>
+          <a:prstGeom prst="rect">
+            <a:avLst/>
+          </a:prstGeom>
+          <a:solidFill>
+            <a:srgbClr val="FFFF00"/>
+          </a:solidFill>
+          <a:ln>
+            <a:noFill/>
+          </a:ln>
+        </p:spPr>
+        <p:style>
+          <a:lnRef idx="2">
+            <a:schemeClr val="dk1">
+              <a:shade val="15000"/>
+            </a:schemeClr>
+          </a:lnRef>
+          <a:fillRef idx="1">
+            <a:schemeClr val="dk1"/>
+          </a:fillRef>
+          <a:effectRef idx="0">
+            <a:schemeClr val="dk1"/>
+          </a:effectRef>
+          <a:fontRef idx="minor">
+            <a:schemeClr val="lt1"/>
+          </a:fontRef>
+        </p:style>
+        <p:txBody>
+          <a:bodyPr lIns="28800" tIns="28800" rIns="28800" bIns="28800" rtlCol="0" anchor="ctr"/>
+          <a:lstStyle/>
+          <a:p>
+            <a:r>
+              <a:rPr lang="fr-FR" sz="1200" b="1" dirty="0">
+                <a:solidFill>
+                  <a:schemeClr val="tx1"/>
+                </a:solidFill>
+              </a:rPr>
+              <a:t>PS</a:t>
+            </a:r>
+            <a:br>
+              <a:rPr lang="fr-FR" sz="1200" b="1" dirty="0">
+                <a:solidFill>
+                  <a:schemeClr val="tx1"/>
+                </a:solidFill>
+              </a:rPr>
+            </a:br>
+            <a:r>
+              <a:rPr lang="fr-FR" sz="1200" b="1" dirty="0">
+                <a:solidFill>
+                  <a:schemeClr val="tx1"/>
+                </a:solidFill>
+              </a:rPr>
+              <a:t>TE</a:t>
+            </a:r>
+            <a:endParaRPr lang="en-GB" sz="1200" b="1" dirty="0">
+              <a:solidFill>
+                <a:schemeClr val="tx1"/>
+              </a:solidFill>
+            </a:endParaRPr>
+          </a:p>
+        </p:txBody>
+      </p:sp>
+      <p:sp>
+        <p:nvSpPr>
+          <p:cNvPr id="30" name="Rectangle 29">
+            <a:extLst>
+              <a:ext uri="{FF2B5EF4-FFF2-40B4-BE49-F238E27FC236}">
+                <a16:creationId xmlns:a16="http://schemas.microsoft.com/office/drawing/2014/main" id="{ABB04057-3F7F-9470-75D0-D375DE3BB879}"/>
+              </a:ext>
+            </a:extLst>
+          </p:cNvPr>
+          <p:cNvSpPr/>
+          <p:nvPr/>
+        </p:nvSpPr>
+        <p:spPr>
+          <a:xfrm>
+            <a:off x="3710020" y="2439478"/>
+            <a:ext cx="360000" cy="432000"/>
+          </a:xfrm>
+          <a:prstGeom prst="rect">
+            <a:avLst/>
+          </a:prstGeom>
+          <a:solidFill>
+            <a:srgbClr val="FFFF00"/>
+          </a:solidFill>
+          <a:ln>
+            <a:noFill/>
+          </a:ln>
+        </p:spPr>
+        <p:style>
+          <a:lnRef idx="2">
+            <a:schemeClr val="dk1">
+              <a:shade val="15000"/>
+            </a:schemeClr>
+          </a:lnRef>
+          <a:fillRef idx="1">
+            <a:schemeClr val="dk1"/>
+          </a:fillRef>
+          <a:effectRef idx="0">
+            <a:schemeClr val="dk1"/>
+          </a:effectRef>
+          <a:fontRef idx="minor">
+            <a:schemeClr val="lt1"/>
+          </a:fontRef>
+        </p:style>
+        <p:txBody>
+          <a:bodyPr lIns="28800" tIns="28800" rIns="28800" bIns="28800" rtlCol="0" anchor="ctr"/>
+          <a:lstStyle/>
+          <a:p>
+            <a:r>
+              <a:rPr lang="fr-FR" sz="1200" b="1" dirty="0">
+                <a:solidFill>
+                  <a:schemeClr val="tx1"/>
+                </a:solidFill>
+              </a:rPr>
+              <a:t>CO</a:t>
+            </a:r>
+            <a:br>
+              <a:rPr lang="fr-FR" sz="1200" b="1" dirty="0">
+                <a:solidFill>
+                  <a:schemeClr val="tx1"/>
+                </a:solidFill>
+              </a:rPr>
+            </a:br>
+            <a:r>
+              <a:rPr lang="fr-FR" sz="1200" b="1" dirty="0">
+                <a:solidFill>
+                  <a:schemeClr val="tx1"/>
+                </a:solidFill>
+              </a:rPr>
+              <a:t>LR</a:t>
+            </a:r>
+            <a:endParaRPr lang="en-GB" sz="1200" b="1" dirty="0">
+              <a:solidFill>
+                <a:schemeClr val="tx1"/>
+              </a:solidFill>
+            </a:endParaRPr>
+          </a:p>
+        </p:txBody>
+      </p:sp>
+      <p:sp>
+        <p:nvSpPr>
+          <p:cNvPr id="31" name="Rectangle 30">
+            <a:extLst>
+              <a:ext uri="{FF2B5EF4-FFF2-40B4-BE49-F238E27FC236}">
+                <a16:creationId xmlns:a16="http://schemas.microsoft.com/office/drawing/2014/main" id="{5CD261B5-59B9-382D-EE50-3287364E50F3}"/>
+              </a:ext>
+            </a:extLst>
+          </p:cNvPr>
+          <p:cNvSpPr/>
+          <p:nvPr/>
+        </p:nvSpPr>
+        <p:spPr>
+          <a:xfrm>
+            <a:off x="4506865" y="2439478"/>
+            <a:ext cx="360000" cy="432000"/>
+          </a:xfrm>
+          <a:prstGeom prst="rect">
+            <a:avLst/>
+          </a:prstGeom>
+          <a:solidFill>
+            <a:srgbClr val="00B0F0"/>
+          </a:solidFill>
+          <a:ln>
+            <a:noFill/>
+          </a:ln>
+        </p:spPr>
+        <p:style>
+          <a:lnRef idx="2">
+            <a:schemeClr val="dk1">
+              <a:shade val="15000"/>
+            </a:schemeClr>
+          </a:lnRef>
+          <a:fillRef idx="1">
+            <a:schemeClr val="dk1"/>
+          </a:fillRef>
+          <a:effectRef idx="0">
+            <a:schemeClr val="dk1"/>
+          </a:effectRef>
+          <a:fontRef idx="minor">
+            <a:schemeClr val="lt1"/>
+          </a:fontRef>
+        </p:style>
+        <p:txBody>
+          <a:bodyPr lIns="28800" tIns="28800" rIns="28800" bIns="28800" rtlCol="0" anchor="ctr"/>
+          <a:lstStyle/>
+          <a:p>
+            <a:r>
+              <a:rPr lang="fr-FR" sz="1200" b="1" dirty="0">
+                <a:solidFill>
+                  <a:schemeClr val="tx1"/>
+                </a:solidFill>
+              </a:rPr>
+              <a:t>PL</a:t>
+            </a:r>
+          </a:p>
+          <a:p>
+            <a:r>
+              <a:rPr lang="fr-FR" sz="1200" b="1" dirty="0">
+                <a:solidFill>
+                  <a:schemeClr val="tx1"/>
+                </a:solidFill>
+              </a:rPr>
+              <a:t>AY</a:t>
+            </a:r>
+            <a:endParaRPr lang="en-GB" sz="1200" b="1" dirty="0">
+              <a:solidFill>
+                <a:schemeClr val="tx1"/>
+              </a:solidFill>
+            </a:endParaRPr>
+          </a:p>
+        </p:txBody>
+      </p:sp>
+      <p:grpSp>
+        <p:nvGrpSpPr>
+          <p:cNvPr id="32" name="Group 31">
+            <a:extLst>
+              <a:ext uri="{FF2B5EF4-FFF2-40B4-BE49-F238E27FC236}">
+                <a16:creationId xmlns:a16="http://schemas.microsoft.com/office/drawing/2014/main" id="{FD1BFA2A-B6C4-8EC4-C1B0-447B9076F16D}"/>
+              </a:ext>
+            </a:extLst>
+          </p:cNvPr>
+          <p:cNvGrpSpPr/>
+          <p:nvPr/>
+        </p:nvGrpSpPr>
+        <p:grpSpPr>
+          <a:xfrm>
+            <a:off x="3710020" y="1468206"/>
+            <a:ext cx="360000" cy="433056"/>
+            <a:chOff x="6464962" y="1595681"/>
+            <a:chExt cx="360000" cy="433056"/>
+          </a:xfrm>
+          <a:solidFill>
+            <a:srgbClr val="FF6600"/>
+          </a:solidFill>
+        </p:grpSpPr>
+        <p:sp>
+          <p:nvSpPr>
+            <p:cNvPr id="33" name="Rectangle 32">
+              <a:extLst>
+                <a:ext uri="{FF2B5EF4-FFF2-40B4-BE49-F238E27FC236}">
+                  <a16:creationId xmlns:a16="http://schemas.microsoft.com/office/drawing/2014/main" id="{9C0F2135-2CB6-1750-EA3B-593985B3E2A4}"/>
+                </a:ext>
+              </a:extLst>
+            </p:cNvPr>
+            <p:cNvSpPr/>
+            <p:nvPr/>
+          </p:nvSpPr>
+          <p:spPr>
+            <a:xfrm>
+              <a:off x="6464962" y="1595681"/>
+              <a:ext cx="360000" cy="217056"/>
+            </a:xfrm>
+            <a:prstGeom prst="rect">
+              <a:avLst/>
+            </a:prstGeom>
+            <a:grpFill/>
+            <a:ln>
+              <a:noFill/>
+            </a:ln>
+          </p:spPr>
+          <p:style>
+            <a:lnRef idx="2">
+              <a:schemeClr val="dk1">
+                <a:shade val="15000"/>
+              </a:schemeClr>
+            </a:lnRef>
+            <a:fillRef idx="1">
+              <a:schemeClr val="dk1"/>
+            </a:fillRef>
+            <a:effectRef idx="0">
+              <a:schemeClr val="dk1"/>
+            </a:effectRef>
+            <a:fontRef idx="minor">
+              <a:schemeClr val="lt1"/>
+            </a:fontRef>
+          </p:style>
+          <p:txBody>
+            <a:bodyPr lIns="28800" tIns="28800" rIns="28800" bIns="28800" rtlCol="0" anchor="ctr"/>
+            <a:lstStyle/>
+            <a:p>
+              <a:r>
+                <a:rPr lang="fr-FR" sz="1200" b="1" dirty="0">
+                  <a:solidFill>
+                    <a:schemeClr val="tx1"/>
+                  </a:solidFill>
+                </a:rPr>
+                <a:t>T-</a:t>
+              </a:r>
+              <a:endParaRPr lang="en-GB" sz="1200" b="1" dirty="0">
+                <a:solidFill>
+                  <a:schemeClr val="tx1"/>
+                </a:solidFill>
+              </a:endParaRPr>
+            </a:p>
+          </p:txBody>
+        </p:sp>
+        <p:sp>
+          <p:nvSpPr>
+            <p:cNvPr id="34" name="Rectangle 33">
+              <a:extLst>
+                <a:ext uri="{FF2B5EF4-FFF2-40B4-BE49-F238E27FC236}">
+                  <a16:creationId xmlns:a16="http://schemas.microsoft.com/office/drawing/2014/main" id="{1A90759C-C1B3-B1CF-9DB0-4F42F707C69B}"/>
+                </a:ext>
+              </a:extLst>
+            </p:cNvPr>
+            <p:cNvSpPr/>
+            <p:nvPr/>
+          </p:nvSpPr>
+          <p:spPr>
+            <a:xfrm>
+              <a:off x="6464962" y="1811681"/>
+              <a:ext cx="360000" cy="217056"/>
+            </a:xfrm>
+            <a:prstGeom prst="rect">
+              <a:avLst/>
+            </a:prstGeom>
+            <a:grpFill/>
+            <a:ln>
+              <a:noFill/>
+            </a:ln>
+          </p:spPr>
+          <p:style>
+            <a:lnRef idx="2">
+              <a:schemeClr val="dk1">
+                <a:shade val="15000"/>
+              </a:schemeClr>
+            </a:lnRef>
+            <a:fillRef idx="1">
+              <a:schemeClr val="dk1"/>
+            </a:fillRef>
+            <a:effectRef idx="0">
+              <a:schemeClr val="dk1"/>
+            </a:effectRef>
+            <a:fontRef idx="minor">
+              <a:schemeClr val="lt1"/>
+            </a:fontRef>
+          </p:style>
+          <p:txBody>
+            <a:bodyPr lIns="28800" tIns="28800" rIns="28800" bIns="28800" rtlCol="0" anchor="ctr"/>
+            <a:lstStyle/>
+            <a:p>
+              <a:r>
+                <a:rPr lang="fr-FR" sz="1200" b="1" dirty="0" err="1">
+                  <a:solidFill>
+                    <a:schemeClr val="tx1"/>
+                  </a:solidFill>
+                </a:rPr>
+                <a:t>rst</a:t>
+              </a:r>
+              <a:endParaRPr lang="en-GB" sz="1200" b="1" dirty="0">
+                <a:solidFill>
+                  <a:schemeClr val="tx1"/>
+                </a:solidFill>
+              </a:endParaRPr>
+            </a:p>
+          </p:txBody>
+        </p:sp>
+      </p:grpSp>
+      <p:grpSp>
+        <p:nvGrpSpPr>
+          <p:cNvPr id="35" name="Group 34">
+            <a:extLst>
+              <a:ext uri="{FF2B5EF4-FFF2-40B4-BE49-F238E27FC236}">
+                <a16:creationId xmlns:a16="http://schemas.microsoft.com/office/drawing/2014/main" id="{0794E57E-D492-6F47-66D5-8D14410D6469}"/>
+              </a:ext>
+            </a:extLst>
+          </p:cNvPr>
+          <p:cNvGrpSpPr/>
+          <p:nvPr/>
+        </p:nvGrpSpPr>
+        <p:grpSpPr>
+          <a:xfrm>
+            <a:off x="4108443" y="1468206"/>
+            <a:ext cx="360000" cy="433056"/>
+            <a:chOff x="6464962" y="1595681"/>
+            <a:chExt cx="360000" cy="433056"/>
+          </a:xfrm>
+          <a:solidFill>
+            <a:srgbClr val="FF6600"/>
+          </a:solidFill>
+        </p:grpSpPr>
+        <p:sp>
+          <p:nvSpPr>
+            <p:cNvPr id="36" name="Rectangle 35">
+              <a:extLst>
+                <a:ext uri="{FF2B5EF4-FFF2-40B4-BE49-F238E27FC236}">
+                  <a16:creationId xmlns:a16="http://schemas.microsoft.com/office/drawing/2014/main" id="{0A4AF0B7-2B6F-85B0-1453-ECE777820912}"/>
+                </a:ext>
+              </a:extLst>
+            </p:cNvPr>
+            <p:cNvSpPr/>
+            <p:nvPr/>
+          </p:nvSpPr>
+          <p:spPr>
+            <a:xfrm>
+              <a:off x="6464962" y="1595681"/>
+              <a:ext cx="360000" cy="217056"/>
+            </a:xfrm>
+            <a:prstGeom prst="rect">
+              <a:avLst/>
+            </a:prstGeom>
+            <a:grpFill/>
+            <a:ln>
+              <a:noFill/>
+            </a:ln>
+          </p:spPr>
+          <p:style>
+            <a:lnRef idx="2">
+              <a:schemeClr val="dk1">
+                <a:shade val="15000"/>
+              </a:schemeClr>
+            </a:lnRef>
+            <a:fillRef idx="1">
+              <a:schemeClr val="dk1"/>
+            </a:fillRef>
+            <a:effectRef idx="0">
+              <a:schemeClr val="dk1"/>
+            </a:effectRef>
+            <a:fontRef idx="minor">
+              <a:schemeClr val="lt1"/>
+            </a:fontRef>
+          </p:style>
+          <p:txBody>
+            <a:bodyPr lIns="28800" tIns="28800" rIns="28800" bIns="28800" rtlCol="0" anchor="ctr"/>
+            <a:lstStyle/>
+            <a:p>
+              <a:r>
+                <a:rPr lang="fr-FR" sz="1200" b="1" dirty="0">
+                  <a:solidFill>
+                    <a:schemeClr val="tx1"/>
+                  </a:solidFill>
+                </a:rPr>
+                <a:t>T+</a:t>
+              </a:r>
+              <a:endParaRPr lang="en-GB" sz="1200" b="1" dirty="0">
+                <a:solidFill>
+                  <a:schemeClr val="tx1"/>
+                </a:solidFill>
+              </a:endParaRPr>
+            </a:p>
+          </p:txBody>
+        </p:sp>
+        <p:sp>
+          <p:nvSpPr>
+            <p:cNvPr id="37" name="Rectangle 36">
+              <a:extLst>
+                <a:ext uri="{FF2B5EF4-FFF2-40B4-BE49-F238E27FC236}">
+                  <a16:creationId xmlns:a16="http://schemas.microsoft.com/office/drawing/2014/main" id="{8E7ABDB5-9C09-F7C9-B8E7-E230A08E74D4}"/>
+                </a:ext>
+              </a:extLst>
+            </p:cNvPr>
+            <p:cNvSpPr/>
+            <p:nvPr/>
+          </p:nvSpPr>
+          <p:spPr>
+            <a:xfrm>
+              <a:off x="6464962" y="1811681"/>
+              <a:ext cx="360000" cy="217056"/>
+            </a:xfrm>
+            <a:prstGeom prst="rect">
+              <a:avLst/>
+            </a:prstGeom>
+            <a:grpFill/>
+            <a:ln>
+              <a:noFill/>
+            </a:ln>
+          </p:spPr>
+          <p:style>
+            <a:lnRef idx="2">
+              <a:schemeClr val="dk1">
+                <a:shade val="15000"/>
+              </a:schemeClr>
+            </a:lnRef>
+            <a:fillRef idx="1">
+              <a:schemeClr val="dk1"/>
+            </a:fillRef>
+            <a:effectRef idx="0">
+              <a:schemeClr val="dk1"/>
+            </a:effectRef>
+            <a:fontRef idx="minor">
+              <a:schemeClr val="lt1"/>
+            </a:fontRef>
+          </p:style>
+          <p:txBody>
+            <a:bodyPr lIns="28800" tIns="28800" rIns="28800" bIns="28800" rtlCol="0" anchor="ctr"/>
+            <a:lstStyle/>
+            <a:p>
+              <a:r>
+                <a:rPr lang="fr-FR" sz="1200" b="1" dirty="0" err="1">
+                  <a:solidFill>
+                    <a:schemeClr val="tx1"/>
+                  </a:solidFill>
+                </a:rPr>
+                <a:t>rst</a:t>
+              </a:r>
+              <a:endParaRPr lang="en-GB" sz="1200" b="1" dirty="0">
+                <a:solidFill>
+                  <a:schemeClr val="tx1"/>
+                </a:solidFill>
+              </a:endParaRPr>
+            </a:p>
+          </p:txBody>
+        </p:sp>
+      </p:grpSp>
+      <p:sp>
+        <p:nvSpPr>
+          <p:cNvPr id="38" name="Rectangle 37">
+            <a:extLst>
+              <a:ext uri="{FF2B5EF4-FFF2-40B4-BE49-F238E27FC236}">
+                <a16:creationId xmlns:a16="http://schemas.microsoft.com/office/drawing/2014/main" id="{D1DA637F-E889-AB7E-B9AD-4CA8AAE7C276}"/>
+              </a:ext>
+            </a:extLst>
+          </p:cNvPr>
+          <p:cNvSpPr/>
+          <p:nvPr/>
+        </p:nvSpPr>
+        <p:spPr>
+          <a:xfrm>
+            <a:off x="4108443" y="2439478"/>
+            <a:ext cx="360000" cy="432000"/>
+          </a:xfrm>
+          <a:prstGeom prst="rect">
+            <a:avLst/>
+          </a:prstGeom>
+          <a:solidFill>
+            <a:srgbClr val="00B0F0"/>
+          </a:solidFill>
+          <a:ln>
+            <a:noFill/>
+          </a:ln>
+        </p:spPr>
+        <p:style>
+          <a:lnRef idx="2">
+            <a:schemeClr val="dk1">
+              <a:shade val="15000"/>
+            </a:schemeClr>
+          </a:lnRef>
+          <a:fillRef idx="1">
+            <a:schemeClr val="dk1"/>
+          </a:fillRef>
+          <a:effectRef idx="0">
+            <a:schemeClr val="dk1"/>
+          </a:effectRef>
+          <a:fontRef idx="minor">
+            <a:schemeClr val="lt1"/>
+          </a:fontRef>
+        </p:style>
+        <p:txBody>
+          <a:bodyPr lIns="28800" tIns="28800" rIns="28800" bIns="28800" rtlCol="0" anchor="ctr"/>
+          <a:lstStyle/>
+          <a:p>
+            <a:r>
+              <a:rPr lang="fr-FR" sz="1200" b="1" dirty="0">
+                <a:solidFill>
+                  <a:schemeClr val="tx1"/>
+                </a:solidFill>
+              </a:rPr>
+              <a:t>RE</a:t>
+            </a:r>
+            <a:br>
+              <a:rPr lang="fr-FR" sz="1200" b="1" dirty="0">
+                <a:solidFill>
+                  <a:schemeClr val="tx1"/>
+                </a:solidFill>
+              </a:rPr>
+            </a:br>
+            <a:r>
+              <a:rPr lang="fr-FR" sz="1200" b="1" dirty="0">
+                <a:solidFill>
+                  <a:schemeClr val="tx1"/>
+                </a:solidFill>
+              </a:rPr>
+              <a:t>C</a:t>
+            </a:r>
+            <a:endParaRPr lang="en-GB" sz="1200" b="1" dirty="0">
+              <a:solidFill>
+                <a:schemeClr val="tx1"/>
+              </a:solidFill>
+            </a:endParaRPr>
+          </a:p>
+        </p:txBody>
+      </p:sp>
+      <p:grpSp>
+        <p:nvGrpSpPr>
+          <p:cNvPr id="39" name="Group 38">
+            <a:extLst>
+              <a:ext uri="{FF2B5EF4-FFF2-40B4-BE49-F238E27FC236}">
+                <a16:creationId xmlns:a16="http://schemas.microsoft.com/office/drawing/2014/main" id="{AA2145ED-2163-040E-3737-1CDBAD74D25E}"/>
+              </a:ext>
+            </a:extLst>
+          </p:cNvPr>
+          <p:cNvGrpSpPr/>
+          <p:nvPr/>
+        </p:nvGrpSpPr>
+        <p:grpSpPr>
+          <a:xfrm>
+            <a:off x="4114291" y="1953314"/>
+            <a:ext cx="360000" cy="433056"/>
+            <a:chOff x="6464962" y="1595681"/>
+            <a:chExt cx="360000" cy="433056"/>
+          </a:xfrm>
+          <a:solidFill>
+            <a:srgbClr val="00B0F0"/>
+          </a:solidFill>
+        </p:grpSpPr>
+        <p:sp>
+          <p:nvSpPr>
+            <p:cNvPr id="40" name="Rectangle 39">
+              <a:extLst>
+                <a:ext uri="{FF2B5EF4-FFF2-40B4-BE49-F238E27FC236}">
+                  <a16:creationId xmlns:a16="http://schemas.microsoft.com/office/drawing/2014/main" id="{58CB1834-F03C-354D-FF13-C3AAE7A13D0B}"/>
+                </a:ext>
+              </a:extLst>
+            </p:cNvPr>
+            <p:cNvSpPr/>
+            <p:nvPr/>
+          </p:nvSpPr>
+          <p:spPr>
+            <a:xfrm>
+              <a:off x="6464962" y="1595681"/>
+              <a:ext cx="360000" cy="217056"/>
+            </a:xfrm>
+            <a:prstGeom prst="rect">
+              <a:avLst/>
+            </a:prstGeom>
+            <a:grpFill/>
+            <a:ln>
+              <a:noFill/>
+            </a:ln>
+          </p:spPr>
+          <p:style>
+            <a:lnRef idx="2">
+              <a:schemeClr val="dk1">
+                <a:shade val="15000"/>
+              </a:schemeClr>
+            </a:lnRef>
+            <a:fillRef idx="1">
+              <a:schemeClr val="dk1"/>
+            </a:fillRef>
+            <a:effectRef idx="0">
+              <a:schemeClr val="dk1"/>
+            </a:effectRef>
+            <a:fontRef idx="minor">
+              <a:schemeClr val="lt1"/>
+            </a:fontRef>
+          </p:style>
+          <p:txBody>
+            <a:bodyPr lIns="28800" tIns="28800" rIns="28800" bIns="28800" rtlCol="0" anchor="ctr"/>
+            <a:lstStyle/>
+            <a:p>
+              <a:r>
+                <a:rPr lang="fr-FR" sz="1200" b="1" dirty="0">
+                  <a:solidFill>
+                    <a:schemeClr val="tx1"/>
+                  </a:solidFill>
+                </a:rPr>
+                <a:t>VL</a:t>
+              </a:r>
+              <a:endParaRPr lang="en-GB" sz="1200" b="1" dirty="0">
+                <a:solidFill>
+                  <a:schemeClr val="tx1"/>
+                </a:solidFill>
+              </a:endParaRPr>
+            </a:p>
+          </p:txBody>
+        </p:sp>
+        <p:sp>
+          <p:nvSpPr>
+            <p:cNvPr id="41" name="Rectangle 40">
+              <a:extLst>
+                <a:ext uri="{FF2B5EF4-FFF2-40B4-BE49-F238E27FC236}">
+                  <a16:creationId xmlns:a16="http://schemas.microsoft.com/office/drawing/2014/main" id="{96D56D19-5875-597C-CD1B-6FEA095D863D}"/>
+                </a:ext>
+              </a:extLst>
+            </p:cNvPr>
+            <p:cNvSpPr/>
+            <p:nvPr/>
+          </p:nvSpPr>
+          <p:spPr>
+            <a:xfrm>
+              <a:off x="6464962" y="1811681"/>
+              <a:ext cx="360000" cy="217056"/>
+            </a:xfrm>
+            <a:prstGeom prst="rect">
+              <a:avLst/>
+            </a:prstGeom>
+            <a:grpFill/>
+            <a:ln>
+              <a:noFill/>
+            </a:ln>
+          </p:spPr>
+          <p:style>
+            <a:lnRef idx="2">
+              <a:schemeClr val="dk1">
+                <a:shade val="15000"/>
+              </a:schemeClr>
+            </a:lnRef>
+            <a:fillRef idx="1">
+              <a:schemeClr val="dk1"/>
+            </a:fillRef>
+            <a:effectRef idx="0">
+              <a:schemeClr val="dk1"/>
+            </a:effectRef>
+            <a:fontRef idx="minor">
+              <a:schemeClr val="lt1"/>
+            </a:fontRef>
+          </p:style>
+          <p:txBody>
+            <a:bodyPr lIns="28800" tIns="28800" rIns="28800" bIns="28800" rtlCol="0" anchor="ctr"/>
+            <a:lstStyle/>
+            <a:p>
+              <a:r>
+                <a:rPr lang="fr-FR" sz="1200" b="1" dirty="0" err="1">
+                  <a:solidFill>
+                    <a:schemeClr val="tx1"/>
+                  </a:solidFill>
+                </a:rPr>
+                <a:t>qtf</a:t>
+              </a:r>
+              <a:endParaRPr lang="en-GB" sz="1200" b="1" dirty="0">
+                <a:solidFill>
+                  <a:schemeClr val="tx1"/>
+                </a:solidFill>
+              </a:endParaRPr>
+            </a:p>
+          </p:txBody>
+        </p:sp>
+      </p:grpSp>
+      <p:sp>
+        <p:nvSpPr>
+          <p:cNvPr id="42" name="Rectangle 41">
+            <a:extLst>
+              <a:ext uri="{FF2B5EF4-FFF2-40B4-BE49-F238E27FC236}">
+                <a16:creationId xmlns:a16="http://schemas.microsoft.com/office/drawing/2014/main" id="{F91E431A-705F-304D-A31B-10C75911F7D4}"/>
+              </a:ext>
+            </a:extLst>
+          </p:cNvPr>
+          <p:cNvSpPr/>
+          <p:nvPr/>
+        </p:nvSpPr>
+        <p:spPr>
+          <a:xfrm>
+            <a:off x="4108442" y="499049"/>
+            <a:ext cx="360000" cy="432000"/>
+          </a:xfrm>
+          <a:prstGeom prst="rect">
+            <a:avLst/>
+          </a:prstGeom>
+          <a:solidFill>
+            <a:srgbClr val="7030A0"/>
+          </a:solidFill>
+          <a:ln>
+            <a:noFill/>
+          </a:ln>
+        </p:spPr>
+        <p:style>
+          <a:lnRef idx="2">
+            <a:schemeClr val="dk1">
+              <a:shade val="15000"/>
+            </a:schemeClr>
+          </a:lnRef>
+          <a:fillRef idx="1">
+            <a:schemeClr val="dk1"/>
+          </a:fillRef>
+          <a:effectRef idx="0">
+            <a:schemeClr val="dk1"/>
+          </a:effectRef>
+          <a:fontRef idx="minor">
+            <a:schemeClr val="lt1"/>
+          </a:fontRef>
+        </p:style>
+        <p:txBody>
+          <a:bodyPr lIns="28800" tIns="28800" rIns="28800" bIns="28800" rtlCol="0" anchor="ctr"/>
+          <a:lstStyle/>
+          <a:p>
+            <a:r>
+              <a:rPr lang="fr-FR" sz="1200" b="1" dirty="0">
+                <a:solidFill>
+                  <a:schemeClr val="tx1"/>
+                </a:solidFill>
+              </a:rPr>
+              <a:t>IN</a:t>
+            </a:r>
+            <a:br>
+              <a:rPr lang="fr-FR" sz="1200" b="1" dirty="0">
+                <a:solidFill>
+                  <a:schemeClr val="tx1"/>
+                </a:solidFill>
+              </a:rPr>
+            </a:br>
+            <a:r>
+              <a:rPr lang="fr-FR" sz="1200" b="1" dirty="0">
+                <a:solidFill>
+                  <a:schemeClr val="tx1"/>
+                </a:solidFill>
+              </a:rPr>
+              <a:t>ST</a:t>
+            </a:r>
+            <a:endParaRPr lang="en-GB" sz="1200" b="1" dirty="0">
+              <a:solidFill>
+                <a:schemeClr val="tx1"/>
+              </a:solidFill>
+            </a:endParaRPr>
+          </a:p>
+        </p:txBody>
+      </p:sp>
+      <p:sp>
+        <p:nvSpPr>
+          <p:cNvPr id="80" name="Rectangle 79">
+            <a:extLst>
+              <a:ext uri="{FF2B5EF4-FFF2-40B4-BE49-F238E27FC236}">
+                <a16:creationId xmlns:a16="http://schemas.microsoft.com/office/drawing/2014/main" id="{A070896C-A89F-A686-8F0D-F865B6484219}"/>
+              </a:ext>
+            </a:extLst>
+          </p:cNvPr>
+          <p:cNvSpPr/>
+          <p:nvPr/>
+        </p:nvSpPr>
+        <p:spPr>
+          <a:xfrm>
+            <a:off x="5334313" y="493880"/>
+            <a:ext cx="360000" cy="432000"/>
+          </a:xfrm>
+          <a:prstGeom prst="rect">
+            <a:avLst/>
+          </a:prstGeom>
+          <a:solidFill>
+            <a:schemeClr val="bg1"/>
+          </a:solidFill>
+          <a:ln>
+            <a:noFill/>
+          </a:ln>
+        </p:spPr>
+        <p:style>
+          <a:lnRef idx="2">
+            <a:schemeClr val="dk1">
+              <a:shade val="15000"/>
+            </a:schemeClr>
+          </a:lnRef>
+          <a:fillRef idx="1">
+            <a:schemeClr val="dk1"/>
+          </a:fillRef>
+          <a:effectRef idx="0">
+            <a:schemeClr val="dk1"/>
+          </a:effectRef>
+          <a:fontRef idx="minor">
+            <a:schemeClr val="lt1"/>
+          </a:fontRef>
+        </p:style>
+        <p:txBody>
+          <a:bodyPr lIns="28800" tIns="28800" rIns="28800" bIns="28800" rtlCol="0" anchor="ctr"/>
+          <a:lstStyle/>
+          <a:p>
+            <a:r>
+              <a:rPr lang="fr-FR" sz="1200" b="1" dirty="0">
+                <a:solidFill>
+                  <a:schemeClr val="tx1"/>
+                </a:solidFill>
+              </a:rPr>
+              <a:t>SH</a:t>
+            </a:r>
+            <a:br>
+              <a:rPr lang="fr-FR" sz="1200" b="1" dirty="0">
+                <a:solidFill>
+                  <a:schemeClr val="tx1"/>
+                </a:solidFill>
+              </a:rPr>
+            </a:br>
+            <a:r>
+              <a:rPr lang="fr-FR" sz="1200" b="1" dirty="0">
+                <a:solidFill>
+                  <a:schemeClr val="tx1"/>
+                </a:solidFill>
+              </a:rPr>
+              <a:t>FT</a:t>
+            </a:r>
+            <a:endParaRPr lang="en-GB" sz="1200" b="1" dirty="0">
+              <a:solidFill>
+                <a:schemeClr val="tx1"/>
+              </a:solidFill>
+            </a:endParaRPr>
+          </a:p>
+        </p:txBody>
+      </p:sp>
+      <p:sp>
+        <p:nvSpPr>
+          <p:cNvPr id="81" name="Rectangle 80">
+            <a:extLst>
+              <a:ext uri="{FF2B5EF4-FFF2-40B4-BE49-F238E27FC236}">
+                <a16:creationId xmlns:a16="http://schemas.microsoft.com/office/drawing/2014/main" id="{34193506-6E8C-A190-F159-662C3593C7DE}"/>
+              </a:ext>
+            </a:extLst>
+          </p:cNvPr>
+          <p:cNvSpPr/>
+          <p:nvPr/>
+        </p:nvSpPr>
+        <p:spPr>
+          <a:xfrm>
+            <a:off x="5732735" y="493880"/>
+            <a:ext cx="360000" cy="432000"/>
+          </a:xfrm>
+          <a:prstGeom prst="rect">
+            <a:avLst/>
+          </a:prstGeom>
+          <a:solidFill>
+            <a:srgbClr val="CC0000"/>
+          </a:solidFill>
+          <a:ln>
+            <a:noFill/>
+          </a:ln>
+        </p:spPr>
+        <p:style>
+          <a:lnRef idx="2">
+            <a:schemeClr val="dk1">
+              <a:shade val="15000"/>
+            </a:schemeClr>
+          </a:lnRef>
+          <a:fillRef idx="1">
+            <a:schemeClr val="dk1"/>
+          </a:fillRef>
+          <a:effectRef idx="0">
+            <a:schemeClr val="dk1"/>
+          </a:effectRef>
+          <a:fontRef idx="minor">
+            <a:schemeClr val="lt1"/>
+          </a:fontRef>
+        </p:style>
+        <p:txBody>
+          <a:bodyPr lIns="28800" tIns="28800" rIns="28800" bIns="28800" rtlCol="0" anchor="ctr"/>
+          <a:lstStyle/>
+          <a:p>
+            <a:r>
+              <a:rPr lang="fr-FR" sz="1200" b="1" dirty="0">
+                <a:solidFill>
+                  <a:schemeClr val="tx1"/>
+                </a:solidFill>
+              </a:rPr>
+              <a:t>LO</a:t>
+            </a:r>
+            <a:br>
+              <a:rPr lang="fr-FR" sz="1200" b="1" dirty="0">
+                <a:solidFill>
+                  <a:schemeClr val="tx1"/>
+                </a:solidFill>
+              </a:rPr>
+            </a:br>
+            <a:r>
+              <a:rPr lang="fr-FR" sz="1200" b="1" dirty="0">
+                <a:solidFill>
+                  <a:schemeClr val="tx1"/>
+                </a:solidFill>
+              </a:rPr>
+              <a:t>AD</a:t>
+            </a:r>
+            <a:endParaRPr lang="en-GB" sz="1200" b="1" dirty="0">
+              <a:solidFill>
+                <a:schemeClr val="tx1"/>
+              </a:solidFill>
+            </a:endParaRPr>
+          </a:p>
+        </p:txBody>
+      </p:sp>
+      <p:sp>
+        <p:nvSpPr>
+          <p:cNvPr id="82" name="Rectangle 81">
+            <a:extLst>
+              <a:ext uri="{FF2B5EF4-FFF2-40B4-BE49-F238E27FC236}">
+                <a16:creationId xmlns:a16="http://schemas.microsoft.com/office/drawing/2014/main" id="{8B64F728-F798-D7D5-CEC1-FDE072BE0948}"/>
+              </a:ext>
+            </a:extLst>
+          </p:cNvPr>
+          <p:cNvSpPr/>
+          <p:nvPr/>
+        </p:nvSpPr>
+        <p:spPr>
+          <a:xfrm>
+            <a:off x="6529580" y="493880"/>
+            <a:ext cx="360000" cy="432000"/>
+          </a:xfrm>
+          <a:prstGeom prst="rect">
+            <a:avLst/>
+          </a:prstGeom>
+          <a:solidFill>
+            <a:srgbClr val="CC0000"/>
+          </a:solidFill>
+          <a:ln>
+            <a:noFill/>
+          </a:ln>
+        </p:spPr>
+        <p:style>
+          <a:lnRef idx="2">
+            <a:schemeClr val="dk1">
+              <a:shade val="15000"/>
+            </a:schemeClr>
+          </a:lnRef>
+          <a:fillRef idx="1">
+            <a:schemeClr val="dk1"/>
+          </a:fillRef>
+          <a:effectRef idx="0">
+            <a:schemeClr val="dk1"/>
+          </a:effectRef>
+          <a:fontRef idx="minor">
+            <a:schemeClr val="lt1"/>
+          </a:fontRef>
+        </p:style>
+        <p:txBody>
+          <a:bodyPr lIns="28800" tIns="28800" rIns="28800" bIns="28800" rtlCol="0" anchor="ctr"/>
+          <a:lstStyle/>
+          <a:p>
+            <a:r>
+              <a:rPr lang="fr-FR" sz="1200" b="1" dirty="0">
+                <a:solidFill>
+                  <a:schemeClr val="tx1"/>
+                </a:solidFill>
+              </a:rPr>
+              <a:t>SA</a:t>
+            </a:r>
+            <a:br>
+              <a:rPr lang="fr-FR" sz="1200" b="1" dirty="0">
+                <a:solidFill>
+                  <a:schemeClr val="tx1"/>
+                </a:solidFill>
+              </a:rPr>
+            </a:br>
+            <a:r>
+              <a:rPr lang="fr-FR" sz="1200" b="1" dirty="0">
+                <a:solidFill>
+                  <a:schemeClr val="tx1"/>
+                </a:solidFill>
+              </a:rPr>
+              <a:t>VE</a:t>
+            </a:r>
+            <a:endParaRPr lang="en-GB" sz="1200" b="1" dirty="0">
+              <a:solidFill>
+                <a:schemeClr val="tx1"/>
+              </a:solidFill>
+            </a:endParaRPr>
+          </a:p>
+        </p:txBody>
+      </p:sp>
+      <p:sp>
+        <p:nvSpPr>
+          <p:cNvPr id="83" name="Rectangle 82">
+            <a:extLst>
+              <a:ext uri="{FF2B5EF4-FFF2-40B4-BE49-F238E27FC236}">
+                <a16:creationId xmlns:a16="http://schemas.microsoft.com/office/drawing/2014/main" id="{4C21C178-96DB-3D6A-AF22-1F40F1870DBA}"/>
+              </a:ext>
+            </a:extLst>
+          </p:cNvPr>
+          <p:cNvSpPr/>
+          <p:nvPr/>
+        </p:nvSpPr>
+        <p:spPr>
+          <a:xfrm>
+            <a:off x="5334313" y="978987"/>
+            <a:ext cx="360000" cy="432000"/>
+          </a:xfrm>
+          <a:prstGeom prst="rect">
+            <a:avLst/>
+          </a:prstGeom>
+          <a:solidFill>
+            <a:srgbClr val="FF00FF"/>
+          </a:solidFill>
+          <a:ln>
+            <a:noFill/>
+          </a:ln>
+        </p:spPr>
+        <p:style>
+          <a:lnRef idx="2">
+            <a:schemeClr val="dk1">
+              <a:shade val="15000"/>
+            </a:schemeClr>
+          </a:lnRef>
+          <a:fillRef idx="1">
+            <a:schemeClr val="dk1"/>
+          </a:fillRef>
+          <a:effectRef idx="0">
+            <a:schemeClr val="dk1"/>
+          </a:effectRef>
+          <a:fontRef idx="minor">
+            <a:schemeClr val="lt1"/>
+          </a:fontRef>
+        </p:style>
+        <p:txBody>
+          <a:bodyPr lIns="28800" tIns="28800" rIns="28800" bIns="28800" rtlCol="0" anchor="ctr"/>
+          <a:lstStyle/>
+          <a:p>
+            <a:r>
+              <a:rPr lang="fr-FR" sz="1200" b="1" dirty="0">
+                <a:solidFill>
+                  <a:schemeClr val="tx1"/>
+                </a:solidFill>
+              </a:rPr>
+              <a:t>AD</a:t>
+            </a:r>
+            <a:br>
+              <a:rPr lang="fr-FR" sz="1200" b="1" dirty="0">
+                <a:solidFill>
+                  <a:schemeClr val="tx1"/>
+                </a:solidFill>
+              </a:rPr>
+            </a:br>
+            <a:r>
+              <a:rPr lang="fr-FR" sz="1200" b="1" dirty="0">
+                <a:solidFill>
+                  <a:schemeClr val="tx1"/>
+                </a:solidFill>
+              </a:rPr>
+              <a:t>BR</a:t>
+            </a:r>
+            <a:endParaRPr lang="en-GB" sz="1200" b="1" dirty="0">
+              <a:solidFill>
+                <a:schemeClr val="tx1"/>
+              </a:solidFill>
+            </a:endParaRPr>
+          </a:p>
+        </p:txBody>
+      </p:sp>
+      <p:sp>
+        <p:nvSpPr>
+          <p:cNvPr id="84" name="Rectangle 83">
+            <a:extLst>
+              <a:ext uri="{FF2B5EF4-FFF2-40B4-BE49-F238E27FC236}">
+                <a16:creationId xmlns:a16="http://schemas.microsoft.com/office/drawing/2014/main" id="{D1F834EE-BE3E-FDF6-D0E9-60E9ED747539}"/>
+              </a:ext>
+            </a:extLst>
+          </p:cNvPr>
+          <p:cNvSpPr/>
+          <p:nvPr/>
+        </p:nvSpPr>
+        <p:spPr>
+          <a:xfrm>
+            <a:off x="5732735" y="978987"/>
+            <a:ext cx="360000" cy="432000"/>
+          </a:xfrm>
+          <a:prstGeom prst="rect">
+            <a:avLst/>
+          </a:prstGeom>
+          <a:solidFill>
+            <a:srgbClr val="FF00FF"/>
+          </a:solidFill>
+          <a:ln>
+            <a:noFill/>
+          </a:ln>
+        </p:spPr>
+        <p:style>
+          <a:lnRef idx="2">
+            <a:schemeClr val="dk1">
+              <a:shade val="15000"/>
+            </a:schemeClr>
+          </a:lnRef>
+          <a:fillRef idx="1">
+            <a:schemeClr val="dk1"/>
+          </a:fillRef>
+          <a:effectRef idx="0">
+            <a:schemeClr val="dk1"/>
+          </a:effectRef>
+          <a:fontRef idx="minor">
+            <a:schemeClr val="lt1"/>
+          </a:fontRef>
+        </p:style>
+        <p:txBody>
+          <a:bodyPr lIns="28800" tIns="28800" rIns="28800" bIns="28800" rtlCol="0" anchor="ctr"/>
+          <a:lstStyle/>
+          <a:p>
+            <a:r>
+              <a:rPr lang="fr-FR" sz="1200" b="1" dirty="0">
+                <a:solidFill>
+                  <a:schemeClr val="tx1"/>
+                </a:solidFill>
+              </a:rPr>
+              <a:t>RM</a:t>
+            </a:r>
+            <a:br>
+              <a:rPr lang="en-GB" sz="1200" b="1" dirty="0">
+                <a:solidFill>
+                  <a:schemeClr val="tx1"/>
+                </a:solidFill>
+              </a:rPr>
+            </a:br>
+            <a:r>
+              <a:rPr lang="en-GB" sz="1200" b="1" dirty="0">
+                <a:solidFill>
+                  <a:schemeClr val="tx1"/>
+                </a:solidFill>
+              </a:rPr>
+              <a:t>BR</a:t>
+            </a:r>
+            <a:endParaRPr lang="fr-FR" sz="1200" b="1" dirty="0">
+              <a:solidFill>
+                <a:schemeClr val="tx1"/>
+              </a:solidFill>
+            </a:endParaRPr>
+          </a:p>
+        </p:txBody>
+      </p:sp>
+      <p:sp>
+        <p:nvSpPr>
+          <p:cNvPr id="85" name="Rectangle 84">
+            <a:extLst>
+              <a:ext uri="{FF2B5EF4-FFF2-40B4-BE49-F238E27FC236}">
+                <a16:creationId xmlns:a16="http://schemas.microsoft.com/office/drawing/2014/main" id="{F000E18A-DCF0-669D-61EB-A008D6928953}"/>
+              </a:ext>
+            </a:extLst>
+          </p:cNvPr>
+          <p:cNvSpPr/>
+          <p:nvPr/>
+        </p:nvSpPr>
+        <p:spPr>
+          <a:xfrm>
+            <a:off x="6131158" y="978987"/>
+            <a:ext cx="360000" cy="432000"/>
+          </a:xfrm>
+          <a:prstGeom prst="rect">
+            <a:avLst/>
+          </a:prstGeom>
+          <a:solidFill>
+            <a:srgbClr val="FF00FF"/>
+          </a:solidFill>
+          <a:ln>
+            <a:noFill/>
+          </a:ln>
+        </p:spPr>
+        <p:style>
+          <a:lnRef idx="2">
+            <a:schemeClr val="dk1">
+              <a:shade val="15000"/>
+            </a:schemeClr>
+          </a:lnRef>
+          <a:fillRef idx="1">
+            <a:schemeClr val="dk1"/>
+          </a:fillRef>
+          <a:effectRef idx="0">
+            <a:schemeClr val="dk1"/>
+          </a:effectRef>
+          <a:fontRef idx="minor">
+            <a:schemeClr val="lt1"/>
+          </a:fontRef>
+        </p:style>
+        <p:txBody>
+          <a:bodyPr lIns="28800" tIns="28800" rIns="28800" bIns="28800" rtlCol="0" anchor="ctr"/>
+          <a:lstStyle/>
+          <a:p>
+            <a:r>
+              <a:rPr lang="fr-FR" sz="1200" b="1" dirty="0">
+                <a:solidFill>
+                  <a:schemeClr val="tx1"/>
+                </a:solidFill>
+              </a:rPr>
+              <a:t>1 –</a:t>
+            </a:r>
+            <a:br>
+              <a:rPr lang="fr-FR" sz="1200" b="1" dirty="0">
+                <a:solidFill>
+                  <a:schemeClr val="tx1"/>
+                </a:solidFill>
+              </a:rPr>
+            </a:br>
+            <a:r>
+              <a:rPr lang="fr-FR" sz="1200" b="1" dirty="0">
+                <a:solidFill>
+                  <a:schemeClr val="tx1"/>
+                </a:solidFill>
+              </a:rPr>
+              <a:t>2</a:t>
+            </a:r>
+            <a:endParaRPr lang="en-GB" sz="1200" b="1" dirty="0">
+              <a:solidFill>
+                <a:schemeClr val="tx1"/>
+              </a:solidFill>
+            </a:endParaRPr>
+          </a:p>
+        </p:txBody>
+      </p:sp>
+      <p:sp>
+        <p:nvSpPr>
+          <p:cNvPr id="86" name="Rectangle 85">
+            <a:extLst>
+              <a:ext uri="{FF2B5EF4-FFF2-40B4-BE49-F238E27FC236}">
+                <a16:creationId xmlns:a16="http://schemas.microsoft.com/office/drawing/2014/main" id="{F629A4CB-7760-EE9A-9A8C-A87011D717C0}"/>
+              </a:ext>
+            </a:extLst>
+          </p:cNvPr>
+          <p:cNvSpPr/>
+          <p:nvPr/>
+        </p:nvSpPr>
+        <p:spPr>
+          <a:xfrm>
+            <a:off x="6529580" y="978987"/>
+            <a:ext cx="360000" cy="432000"/>
+          </a:xfrm>
+          <a:prstGeom prst="rect">
+            <a:avLst/>
+          </a:prstGeom>
+          <a:solidFill>
+            <a:srgbClr val="FF00FF"/>
+          </a:solidFill>
+          <a:ln>
+            <a:noFill/>
+          </a:ln>
+        </p:spPr>
+        <p:style>
+          <a:lnRef idx="2">
+            <a:schemeClr val="dk1">
+              <a:shade val="15000"/>
+            </a:schemeClr>
+          </a:lnRef>
+          <a:fillRef idx="1">
+            <a:schemeClr val="dk1"/>
+          </a:fillRef>
+          <a:effectRef idx="0">
+            <a:schemeClr val="dk1"/>
+          </a:effectRef>
+          <a:fontRef idx="minor">
+            <a:schemeClr val="lt1"/>
+          </a:fontRef>
+        </p:style>
+        <p:txBody>
+          <a:bodyPr lIns="28800" tIns="28800" rIns="28800" bIns="28800" rtlCol="0" anchor="ctr"/>
+          <a:lstStyle/>
+          <a:p>
+            <a:r>
+              <a:rPr lang="fr-FR" sz="1200" b="1" dirty="0">
+                <a:solidFill>
+                  <a:schemeClr val="tx1"/>
+                </a:solidFill>
+              </a:rPr>
+              <a:t>1 +</a:t>
+            </a:r>
+            <a:br>
+              <a:rPr lang="fr-FR" sz="1200" b="1" dirty="0">
+                <a:solidFill>
+                  <a:schemeClr val="tx1"/>
+                </a:solidFill>
+              </a:rPr>
+            </a:br>
+            <a:r>
+              <a:rPr lang="fr-FR" sz="1200" b="1" dirty="0">
+                <a:solidFill>
+                  <a:schemeClr val="tx1"/>
+                </a:solidFill>
+              </a:rPr>
+              <a:t>2</a:t>
+            </a:r>
+            <a:endParaRPr lang="en-GB" sz="1200" b="1" dirty="0">
+              <a:solidFill>
+                <a:schemeClr val="tx1"/>
+              </a:solidFill>
+            </a:endParaRPr>
+          </a:p>
+        </p:txBody>
+      </p:sp>
+      <p:sp>
+        <p:nvSpPr>
+          <p:cNvPr id="87" name="Rectangle 86">
+            <a:extLst>
+              <a:ext uri="{FF2B5EF4-FFF2-40B4-BE49-F238E27FC236}">
+                <a16:creationId xmlns:a16="http://schemas.microsoft.com/office/drawing/2014/main" id="{06C49EDC-D499-620B-BF55-25F9456F8FD3}"/>
+              </a:ext>
+            </a:extLst>
+          </p:cNvPr>
+          <p:cNvSpPr/>
+          <p:nvPr/>
+        </p:nvSpPr>
+        <p:spPr>
+          <a:xfrm>
+            <a:off x="5334313" y="1463037"/>
+            <a:ext cx="360000" cy="432000"/>
+          </a:xfrm>
+          <a:prstGeom prst="rect">
+            <a:avLst/>
+          </a:prstGeom>
+          <a:solidFill>
+            <a:srgbClr val="FF6600"/>
+          </a:solidFill>
+          <a:ln>
+            <a:noFill/>
+          </a:ln>
+        </p:spPr>
+        <p:style>
+          <a:lnRef idx="2">
+            <a:schemeClr val="dk1">
+              <a:shade val="15000"/>
+            </a:schemeClr>
+          </a:lnRef>
+          <a:fillRef idx="1">
+            <a:schemeClr val="dk1"/>
+          </a:fillRef>
+          <a:effectRef idx="0">
+            <a:schemeClr val="dk1"/>
+          </a:effectRef>
+          <a:fontRef idx="minor">
+            <a:schemeClr val="lt1"/>
+          </a:fontRef>
+        </p:style>
+        <p:txBody>
+          <a:bodyPr lIns="28800" tIns="28800" rIns="28800" bIns="28800" rtlCol="0" anchor="ctr"/>
+          <a:lstStyle/>
+          <a:p>
+            <a:r>
+              <a:rPr lang="fr-FR" sz="1200" b="1" dirty="0">
+                <a:solidFill>
+                  <a:schemeClr val="tx1"/>
+                </a:solidFill>
+              </a:rPr>
+              <a:t>TA</a:t>
+            </a:r>
+            <a:br>
+              <a:rPr lang="fr-FR" sz="1200" b="1" dirty="0">
+                <a:solidFill>
+                  <a:schemeClr val="tx1"/>
+                </a:solidFill>
+              </a:rPr>
+            </a:br>
+            <a:r>
+              <a:rPr lang="fr-FR" sz="1200" b="1" dirty="0">
+                <a:solidFill>
+                  <a:schemeClr val="tx1"/>
+                </a:solidFill>
+              </a:rPr>
+              <a:t>P</a:t>
+            </a:r>
+            <a:endParaRPr lang="en-GB" sz="1200" b="1" dirty="0">
+              <a:solidFill>
+                <a:schemeClr val="tx1"/>
+              </a:solidFill>
+            </a:endParaRPr>
+          </a:p>
+        </p:txBody>
+      </p:sp>
+      <p:sp>
+        <p:nvSpPr>
+          <p:cNvPr id="88" name="Rectangle 87">
+            <a:extLst>
+              <a:ext uri="{FF2B5EF4-FFF2-40B4-BE49-F238E27FC236}">
+                <a16:creationId xmlns:a16="http://schemas.microsoft.com/office/drawing/2014/main" id="{4AE0C8EB-157F-9DB5-1515-64F9398A0D03}"/>
+              </a:ext>
+            </a:extLst>
+          </p:cNvPr>
+          <p:cNvSpPr/>
+          <p:nvPr/>
+        </p:nvSpPr>
+        <p:spPr>
+          <a:xfrm>
+            <a:off x="6529580" y="1463037"/>
+            <a:ext cx="360000" cy="432000"/>
+          </a:xfrm>
+          <a:prstGeom prst="rect">
+            <a:avLst/>
+          </a:prstGeom>
+          <a:solidFill>
+            <a:srgbClr val="FF6600"/>
+          </a:solidFill>
+          <a:ln>
+            <a:noFill/>
+          </a:ln>
+        </p:spPr>
+        <p:style>
+          <a:lnRef idx="2">
+            <a:schemeClr val="dk1">
+              <a:shade val="15000"/>
+            </a:schemeClr>
+          </a:lnRef>
+          <a:fillRef idx="1">
+            <a:schemeClr val="dk1"/>
+          </a:fillRef>
+          <a:effectRef idx="0">
+            <a:schemeClr val="dk1"/>
+          </a:effectRef>
+          <a:fontRef idx="minor">
+            <a:schemeClr val="lt1"/>
+          </a:fontRef>
+        </p:style>
+        <p:txBody>
+          <a:bodyPr lIns="28800" tIns="28800" rIns="28800" bIns="28800" rtlCol="0" anchor="ctr"/>
+          <a:lstStyle/>
+          <a:p>
+            <a:r>
+              <a:rPr lang="fr-FR" sz="1200" b="1" dirty="0">
+                <a:solidFill>
+                  <a:schemeClr val="tx1"/>
+                </a:solidFill>
+              </a:rPr>
+              <a:t>ME</a:t>
+            </a:r>
+            <a:br>
+              <a:rPr lang="fr-FR" sz="1200" b="1" dirty="0">
+                <a:solidFill>
+                  <a:schemeClr val="tx1"/>
+                </a:solidFill>
+              </a:rPr>
+            </a:br>
+            <a:r>
+              <a:rPr lang="fr-FR" sz="1200" b="1" dirty="0">
+                <a:solidFill>
+                  <a:schemeClr val="tx1"/>
+                </a:solidFill>
+              </a:rPr>
+              <a:t>TR</a:t>
+            </a:r>
+            <a:endParaRPr lang="en-GB" sz="1200" b="1" dirty="0">
+              <a:solidFill>
+                <a:schemeClr val="tx1"/>
+              </a:solidFill>
+            </a:endParaRPr>
+          </a:p>
+        </p:txBody>
+      </p:sp>
+      <p:sp>
+        <p:nvSpPr>
+          <p:cNvPr id="89" name="Rectangle 88">
+            <a:extLst>
+              <a:ext uri="{FF2B5EF4-FFF2-40B4-BE49-F238E27FC236}">
+                <a16:creationId xmlns:a16="http://schemas.microsoft.com/office/drawing/2014/main" id="{B60670AE-077F-0DFD-6D02-785B55462BFC}"/>
+              </a:ext>
+            </a:extLst>
+          </p:cNvPr>
+          <p:cNvSpPr/>
+          <p:nvPr/>
+        </p:nvSpPr>
+        <p:spPr>
+          <a:xfrm>
+            <a:off x="5334313" y="1949201"/>
+            <a:ext cx="360000" cy="432000"/>
+          </a:xfrm>
+          <a:prstGeom prst="rect">
+            <a:avLst/>
+          </a:prstGeom>
+          <a:solidFill>
+            <a:srgbClr val="FFFF00"/>
+          </a:solidFill>
+          <a:ln>
+            <a:noFill/>
+          </a:ln>
+        </p:spPr>
+        <p:style>
+          <a:lnRef idx="2">
+            <a:schemeClr val="dk1">
+              <a:shade val="15000"/>
+            </a:schemeClr>
+          </a:lnRef>
+          <a:fillRef idx="1">
+            <a:schemeClr val="dk1"/>
+          </a:fillRef>
+          <a:effectRef idx="0">
+            <a:schemeClr val="dk1"/>
+          </a:effectRef>
+          <a:fontRef idx="minor">
+            <a:schemeClr val="lt1"/>
+          </a:fontRef>
+        </p:style>
+        <p:txBody>
+          <a:bodyPr lIns="28800" tIns="28800" rIns="28800" bIns="28800" rtlCol="0" anchor="ctr"/>
+          <a:lstStyle/>
+          <a:p>
+            <a:r>
+              <a:rPr lang="fr-FR" sz="1200" b="1" dirty="0">
+                <a:solidFill>
+                  <a:schemeClr val="tx1"/>
+                </a:solidFill>
+              </a:rPr>
+              <a:t>CO</a:t>
+            </a:r>
+            <a:br>
+              <a:rPr lang="fr-FR" sz="1200" b="1" dirty="0">
+                <a:solidFill>
+                  <a:schemeClr val="tx1"/>
+                </a:solidFill>
+              </a:rPr>
+            </a:br>
+            <a:r>
+              <a:rPr lang="fr-FR" sz="1200" b="1" dirty="0">
+                <a:solidFill>
+                  <a:schemeClr val="tx1"/>
+                </a:solidFill>
+              </a:rPr>
+              <a:t>PY</a:t>
+            </a:r>
+            <a:endParaRPr lang="en-GB" sz="1200" b="1" dirty="0">
+              <a:solidFill>
+                <a:schemeClr val="tx1"/>
+              </a:solidFill>
+            </a:endParaRPr>
+          </a:p>
+        </p:txBody>
+      </p:sp>
+      <p:sp>
+        <p:nvSpPr>
+          <p:cNvPr id="90" name="Rectangle 89">
+            <a:extLst>
+              <a:ext uri="{FF2B5EF4-FFF2-40B4-BE49-F238E27FC236}">
+                <a16:creationId xmlns:a16="http://schemas.microsoft.com/office/drawing/2014/main" id="{1B317522-5AC4-98E2-82C3-90CF73299E10}"/>
+              </a:ext>
+            </a:extLst>
+          </p:cNvPr>
+          <p:cNvSpPr/>
+          <p:nvPr/>
+        </p:nvSpPr>
+        <p:spPr>
+          <a:xfrm>
+            <a:off x="5732735" y="1949201"/>
+            <a:ext cx="360000" cy="432000"/>
+          </a:xfrm>
+          <a:prstGeom prst="rect">
+            <a:avLst/>
+          </a:prstGeom>
+          <a:solidFill>
+            <a:srgbClr val="FFFF00"/>
+          </a:solidFill>
+          <a:ln>
+            <a:noFill/>
+          </a:ln>
+        </p:spPr>
+        <p:style>
+          <a:lnRef idx="2">
+            <a:schemeClr val="dk1">
+              <a:shade val="15000"/>
+            </a:schemeClr>
+          </a:lnRef>
+          <a:fillRef idx="1">
+            <a:schemeClr val="dk1"/>
+          </a:fillRef>
+          <a:effectRef idx="0">
+            <a:schemeClr val="dk1"/>
+          </a:effectRef>
+          <a:fontRef idx="minor">
+            <a:schemeClr val="lt1"/>
+          </a:fontRef>
+        </p:style>
+        <p:txBody>
+          <a:bodyPr lIns="28800" tIns="28800" rIns="28800" bIns="28800" rtlCol="0" anchor="ctr"/>
+          <a:lstStyle/>
+          <a:p>
+            <a:r>
+              <a:rPr lang="fr-FR" sz="1200" b="1" dirty="0">
+                <a:solidFill>
+                  <a:schemeClr val="tx1"/>
+                </a:solidFill>
+              </a:rPr>
+              <a:t>CU</a:t>
+            </a:r>
+            <a:br>
+              <a:rPr lang="fr-FR" sz="1200" b="1" dirty="0">
+                <a:solidFill>
+                  <a:schemeClr val="tx1"/>
+                </a:solidFill>
+              </a:rPr>
+            </a:br>
+            <a:r>
+              <a:rPr lang="fr-FR" sz="1200" b="1" dirty="0">
+                <a:solidFill>
+                  <a:schemeClr val="tx1"/>
+                </a:solidFill>
+              </a:rPr>
+              <a:t>T</a:t>
+            </a:r>
+            <a:endParaRPr lang="en-GB" sz="1200" b="1" dirty="0">
+              <a:solidFill>
+                <a:schemeClr val="tx1"/>
+              </a:solidFill>
+            </a:endParaRPr>
+          </a:p>
+        </p:txBody>
+      </p:sp>
+      <p:sp>
+        <p:nvSpPr>
+          <p:cNvPr id="91" name="Rectangle 90">
+            <a:extLst>
+              <a:ext uri="{FF2B5EF4-FFF2-40B4-BE49-F238E27FC236}">
+                <a16:creationId xmlns:a16="http://schemas.microsoft.com/office/drawing/2014/main" id="{9EEA1CCC-48A9-F9C2-5CCD-BB25B333CBAC}"/>
+              </a:ext>
+            </a:extLst>
+          </p:cNvPr>
+          <p:cNvSpPr/>
+          <p:nvPr/>
+        </p:nvSpPr>
+        <p:spPr>
+          <a:xfrm>
+            <a:off x="6529580" y="1949201"/>
+            <a:ext cx="360000" cy="432000"/>
+          </a:xfrm>
+          <a:prstGeom prst="rect">
+            <a:avLst/>
+          </a:prstGeom>
+          <a:solidFill>
+            <a:srgbClr val="00B0F0"/>
+          </a:solidFill>
+          <a:ln>
+            <a:noFill/>
+          </a:ln>
+        </p:spPr>
+        <p:style>
+          <a:lnRef idx="2">
+            <a:schemeClr val="dk1">
+              <a:shade val="15000"/>
+            </a:schemeClr>
+          </a:lnRef>
+          <a:fillRef idx="1">
+            <a:schemeClr val="dk1"/>
+          </a:fillRef>
+          <a:effectRef idx="0">
+            <a:schemeClr val="dk1"/>
+          </a:effectRef>
+          <a:fontRef idx="minor">
+            <a:schemeClr val="lt1"/>
+          </a:fontRef>
+        </p:style>
+        <p:txBody>
+          <a:bodyPr lIns="28800" tIns="28800" rIns="28800" bIns="28800" rtlCol="0" anchor="ctr"/>
+          <a:lstStyle/>
+          <a:p>
+            <a:r>
+              <a:rPr lang="fr-FR" sz="1200" b="1" dirty="0">
+                <a:solidFill>
+                  <a:schemeClr val="tx1"/>
+                </a:solidFill>
+              </a:rPr>
+              <a:t>PL</a:t>
+            </a:r>
+            <a:br>
+              <a:rPr lang="fr-FR" sz="1200" b="1" dirty="0">
+                <a:solidFill>
+                  <a:schemeClr val="tx1"/>
+                </a:solidFill>
+              </a:rPr>
+            </a:br>
+            <a:r>
+              <a:rPr lang="fr-FR" sz="1200" b="1" dirty="0">
+                <a:solidFill>
+                  <a:schemeClr val="tx1"/>
+                </a:solidFill>
+              </a:rPr>
+              <a:t>AY</a:t>
+            </a:r>
+            <a:endParaRPr lang="en-GB" sz="1200" b="1" dirty="0">
+              <a:solidFill>
+                <a:schemeClr val="tx1"/>
+              </a:solidFill>
+            </a:endParaRPr>
+          </a:p>
+        </p:txBody>
+      </p:sp>
+      <p:sp>
+        <p:nvSpPr>
+          <p:cNvPr id="92" name="Rectangle 91">
+            <a:extLst>
+              <a:ext uri="{FF2B5EF4-FFF2-40B4-BE49-F238E27FC236}">
+                <a16:creationId xmlns:a16="http://schemas.microsoft.com/office/drawing/2014/main" id="{D3F9EB38-EC14-9BDD-CE68-5F7B3C77F97F}"/>
+              </a:ext>
+            </a:extLst>
+          </p:cNvPr>
+          <p:cNvSpPr/>
+          <p:nvPr/>
+        </p:nvSpPr>
+        <p:spPr>
+          <a:xfrm>
+            <a:off x="5334313" y="2434309"/>
+            <a:ext cx="360000" cy="432000"/>
+          </a:xfrm>
+          <a:prstGeom prst="rect">
+            <a:avLst/>
+          </a:prstGeom>
+          <a:solidFill>
+            <a:srgbClr val="FFFF00"/>
+          </a:solidFill>
+          <a:ln>
+            <a:noFill/>
+          </a:ln>
+        </p:spPr>
+        <p:style>
+          <a:lnRef idx="2">
+            <a:schemeClr val="dk1">
+              <a:shade val="15000"/>
+            </a:schemeClr>
+          </a:lnRef>
+          <a:fillRef idx="1">
+            <a:schemeClr val="dk1"/>
+          </a:fillRef>
+          <a:effectRef idx="0">
+            <a:schemeClr val="dk1"/>
+          </a:effectRef>
+          <a:fontRef idx="minor">
+            <a:schemeClr val="lt1"/>
+          </a:fontRef>
+        </p:style>
+        <p:txBody>
+          <a:bodyPr lIns="28800" tIns="28800" rIns="28800" bIns="28800" rtlCol="0" anchor="ctr"/>
+          <a:lstStyle/>
+          <a:p>
+            <a:r>
+              <a:rPr lang="fr-FR" sz="1200" b="1" dirty="0">
+                <a:solidFill>
+                  <a:schemeClr val="tx1"/>
+                </a:solidFill>
+              </a:rPr>
+              <a:t>PS</a:t>
+            </a:r>
+            <a:br>
+              <a:rPr lang="fr-FR" sz="1200" b="1" dirty="0">
+                <a:solidFill>
+                  <a:schemeClr val="tx1"/>
+                </a:solidFill>
+              </a:rPr>
+            </a:br>
+            <a:r>
+              <a:rPr lang="fr-FR" sz="1200" b="1" dirty="0">
+                <a:solidFill>
+                  <a:schemeClr val="tx1"/>
+                </a:solidFill>
+              </a:rPr>
+              <a:t>TE</a:t>
+            </a:r>
+            <a:endParaRPr lang="en-GB" sz="1200" b="1" dirty="0">
+              <a:solidFill>
+                <a:schemeClr val="tx1"/>
+              </a:solidFill>
+            </a:endParaRPr>
+          </a:p>
+        </p:txBody>
+      </p:sp>
+      <p:sp>
+        <p:nvSpPr>
+          <p:cNvPr id="93" name="Rectangle 92">
+            <a:extLst>
+              <a:ext uri="{FF2B5EF4-FFF2-40B4-BE49-F238E27FC236}">
+                <a16:creationId xmlns:a16="http://schemas.microsoft.com/office/drawing/2014/main" id="{613675CC-1987-C2B5-7418-B366F90F78F5}"/>
+              </a:ext>
+            </a:extLst>
+          </p:cNvPr>
+          <p:cNvSpPr/>
+          <p:nvPr/>
+        </p:nvSpPr>
+        <p:spPr>
+          <a:xfrm>
+            <a:off x="5732735" y="2434309"/>
+            <a:ext cx="360000" cy="432000"/>
+          </a:xfrm>
+          <a:prstGeom prst="rect">
+            <a:avLst/>
+          </a:prstGeom>
+          <a:solidFill>
+            <a:srgbClr val="FFFF00"/>
+          </a:solidFill>
+          <a:ln>
+            <a:noFill/>
+          </a:ln>
+        </p:spPr>
+        <p:style>
+          <a:lnRef idx="2">
+            <a:schemeClr val="dk1">
+              <a:shade val="15000"/>
+            </a:schemeClr>
+          </a:lnRef>
+          <a:fillRef idx="1">
+            <a:schemeClr val="dk1"/>
+          </a:fillRef>
+          <a:effectRef idx="0">
+            <a:schemeClr val="dk1"/>
+          </a:effectRef>
+          <a:fontRef idx="minor">
+            <a:schemeClr val="lt1"/>
+          </a:fontRef>
+        </p:style>
+        <p:txBody>
+          <a:bodyPr lIns="28800" tIns="28800" rIns="28800" bIns="28800" rtlCol="0" anchor="ctr"/>
+          <a:lstStyle/>
+          <a:p>
+            <a:r>
+              <a:rPr lang="fr-FR" sz="1200" b="1" dirty="0">
+                <a:solidFill>
+                  <a:schemeClr val="tx1"/>
+                </a:solidFill>
+              </a:rPr>
+              <a:t>CO</a:t>
+            </a:r>
+            <a:br>
+              <a:rPr lang="fr-FR" sz="1200" b="1" dirty="0">
+                <a:solidFill>
+                  <a:schemeClr val="tx1"/>
+                </a:solidFill>
+              </a:rPr>
+            </a:br>
+            <a:r>
+              <a:rPr lang="fr-FR" sz="1200" b="1" dirty="0">
+                <a:solidFill>
+                  <a:schemeClr val="tx1"/>
+                </a:solidFill>
+              </a:rPr>
+              <a:t>LR</a:t>
+            </a:r>
+            <a:endParaRPr lang="en-GB" sz="1200" b="1" dirty="0">
+              <a:solidFill>
+                <a:schemeClr val="tx1"/>
+              </a:solidFill>
+            </a:endParaRPr>
+          </a:p>
+        </p:txBody>
+      </p:sp>
+      <p:sp>
+        <p:nvSpPr>
+          <p:cNvPr id="94" name="Rectangle 93">
+            <a:extLst>
+              <a:ext uri="{FF2B5EF4-FFF2-40B4-BE49-F238E27FC236}">
+                <a16:creationId xmlns:a16="http://schemas.microsoft.com/office/drawing/2014/main" id="{3F2E821A-A8F3-94A9-4B9D-04B7D1D8B344}"/>
+              </a:ext>
+            </a:extLst>
+          </p:cNvPr>
+          <p:cNvSpPr/>
+          <p:nvPr/>
+        </p:nvSpPr>
+        <p:spPr>
+          <a:xfrm>
+            <a:off x="6529580" y="2434309"/>
+            <a:ext cx="360000" cy="432000"/>
+          </a:xfrm>
+          <a:prstGeom prst="rect">
+            <a:avLst/>
+          </a:prstGeom>
+          <a:solidFill>
+            <a:srgbClr val="00B0F0"/>
+          </a:solidFill>
+          <a:ln>
+            <a:noFill/>
+          </a:ln>
+        </p:spPr>
+        <p:style>
+          <a:lnRef idx="2">
+            <a:schemeClr val="dk1">
+              <a:shade val="15000"/>
+            </a:schemeClr>
+          </a:lnRef>
+          <a:fillRef idx="1">
+            <a:schemeClr val="dk1"/>
+          </a:fillRef>
+          <a:effectRef idx="0">
+            <a:schemeClr val="dk1"/>
+          </a:effectRef>
+          <a:fontRef idx="minor">
+            <a:schemeClr val="lt1"/>
+          </a:fontRef>
+        </p:style>
+        <p:txBody>
+          <a:bodyPr lIns="28800" tIns="28800" rIns="28800" bIns="28800" rtlCol="0" anchor="ctr"/>
+          <a:lstStyle/>
+          <a:p>
+            <a:r>
+              <a:rPr lang="fr-FR" sz="1200" b="1" dirty="0">
+                <a:solidFill>
+                  <a:schemeClr val="tx1"/>
+                </a:solidFill>
+              </a:rPr>
+              <a:t>PL</a:t>
+            </a:r>
+          </a:p>
+          <a:p>
+            <a:r>
+              <a:rPr lang="fr-FR" sz="1200" b="1" dirty="0">
+                <a:solidFill>
+                  <a:schemeClr val="tx1"/>
+                </a:solidFill>
+              </a:rPr>
+              <a:t>AY</a:t>
+            </a:r>
+            <a:endParaRPr lang="en-GB" sz="1200" b="1" dirty="0">
+              <a:solidFill>
+                <a:schemeClr val="tx1"/>
+              </a:solidFill>
+            </a:endParaRPr>
+          </a:p>
+        </p:txBody>
+      </p:sp>
+      <p:grpSp>
+        <p:nvGrpSpPr>
+          <p:cNvPr id="95" name="Group 94">
+            <a:extLst>
+              <a:ext uri="{FF2B5EF4-FFF2-40B4-BE49-F238E27FC236}">
+                <a16:creationId xmlns:a16="http://schemas.microsoft.com/office/drawing/2014/main" id="{CEC7D5BE-B6EB-D34F-AB5A-1A9B6A48C27E}"/>
+              </a:ext>
+            </a:extLst>
+          </p:cNvPr>
+          <p:cNvGrpSpPr/>
+          <p:nvPr/>
+        </p:nvGrpSpPr>
+        <p:grpSpPr>
+          <a:xfrm>
+            <a:off x="5732735" y="1463037"/>
+            <a:ext cx="360000" cy="433056"/>
+            <a:chOff x="6464962" y="1595681"/>
+            <a:chExt cx="360000" cy="433056"/>
+          </a:xfrm>
+          <a:solidFill>
+            <a:srgbClr val="FF6600"/>
+          </a:solidFill>
+        </p:grpSpPr>
+        <p:sp>
+          <p:nvSpPr>
+            <p:cNvPr id="96" name="Rectangle 95">
+              <a:extLst>
+                <a:ext uri="{FF2B5EF4-FFF2-40B4-BE49-F238E27FC236}">
+                  <a16:creationId xmlns:a16="http://schemas.microsoft.com/office/drawing/2014/main" id="{72282047-0F07-CABE-AA99-DBC2D5DEC039}"/>
+                </a:ext>
+              </a:extLst>
+            </p:cNvPr>
+            <p:cNvSpPr/>
+            <p:nvPr/>
+          </p:nvSpPr>
+          <p:spPr>
+            <a:xfrm>
+              <a:off x="6464962" y="1595681"/>
+              <a:ext cx="360000" cy="217056"/>
+            </a:xfrm>
+            <a:prstGeom prst="rect">
+              <a:avLst/>
+            </a:prstGeom>
+            <a:grpFill/>
+            <a:ln>
+              <a:noFill/>
+            </a:ln>
+          </p:spPr>
+          <p:style>
+            <a:lnRef idx="2">
+              <a:schemeClr val="dk1">
+                <a:shade val="15000"/>
+              </a:schemeClr>
+            </a:lnRef>
+            <a:fillRef idx="1">
+              <a:schemeClr val="dk1"/>
+            </a:fillRef>
+            <a:effectRef idx="0">
+              <a:schemeClr val="dk1"/>
+            </a:effectRef>
+            <a:fontRef idx="minor">
+              <a:schemeClr val="lt1"/>
+            </a:fontRef>
+          </p:style>
+          <p:txBody>
+            <a:bodyPr lIns="28800" tIns="28800" rIns="28800" bIns="28800" rtlCol="0" anchor="ctr"/>
+            <a:lstStyle/>
+            <a:p>
+              <a:r>
+                <a:rPr lang="fr-FR" sz="1200" b="1" dirty="0">
+                  <a:solidFill>
+                    <a:schemeClr val="tx1"/>
+                  </a:solidFill>
+                </a:rPr>
+                <a:t>T-</a:t>
+              </a:r>
+              <a:endParaRPr lang="en-GB" sz="1200" b="1" dirty="0">
+                <a:solidFill>
+                  <a:schemeClr val="tx1"/>
+                </a:solidFill>
+              </a:endParaRPr>
+            </a:p>
+          </p:txBody>
+        </p:sp>
+        <p:sp>
+          <p:nvSpPr>
+            <p:cNvPr id="97" name="Rectangle 96">
+              <a:extLst>
+                <a:ext uri="{FF2B5EF4-FFF2-40B4-BE49-F238E27FC236}">
+                  <a16:creationId xmlns:a16="http://schemas.microsoft.com/office/drawing/2014/main" id="{D9C5A740-EF0A-800E-6FB2-5797CDEB314A}"/>
+                </a:ext>
+              </a:extLst>
+            </p:cNvPr>
+            <p:cNvSpPr/>
+            <p:nvPr/>
+          </p:nvSpPr>
+          <p:spPr>
+            <a:xfrm>
+              <a:off x="6464962" y="1811681"/>
+              <a:ext cx="360000" cy="217056"/>
+            </a:xfrm>
+            <a:prstGeom prst="rect">
+              <a:avLst/>
+            </a:prstGeom>
+            <a:grpFill/>
+            <a:ln>
+              <a:noFill/>
+            </a:ln>
+          </p:spPr>
+          <p:style>
+            <a:lnRef idx="2">
+              <a:schemeClr val="dk1">
+                <a:shade val="15000"/>
+              </a:schemeClr>
+            </a:lnRef>
+            <a:fillRef idx="1">
+              <a:schemeClr val="dk1"/>
+            </a:fillRef>
+            <a:effectRef idx="0">
+              <a:schemeClr val="dk1"/>
+            </a:effectRef>
+            <a:fontRef idx="minor">
+              <a:schemeClr val="lt1"/>
+            </a:fontRef>
+          </p:style>
+          <p:txBody>
+            <a:bodyPr lIns="28800" tIns="28800" rIns="28800" bIns="28800" rtlCol="0" anchor="ctr"/>
+            <a:lstStyle/>
+            <a:p>
+              <a:r>
+                <a:rPr lang="fr-FR" sz="1200" b="1" dirty="0" err="1">
+                  <a:solidFill>
+                    <a:schemeClr val="tx1"/>
+                  </a:solidFill>
+                </a:rPr>
+                <a:t>rst</a:t>
+              </a:r>
+              <a:endParaRPr lang="en-GB" sz="1200" b="1" dirty="0">
+                <a:solidFill>
+                  <a:schemeClr val="tx1"/>
+                </a:solidFill>
+              </a:endParaRPr>
+            </a:p>
+          </p:txBody>
+        </p:sp>
+      </p:grpSp>
+      <p:grpSp>
+        <p:nvGrpSpPr>
+          <p:cNvPr id="98" name="Group 97">
+            <a:extLst>
+              <a:ext uri="{FF2B5EF4-FFF2-40B4-BE49-F238E27FC236}">
+                <a16:creationId xmlns:a16="http://schemas.microsoft.com/office/drawing/2014/main" id="{31B49C61-1C3B-0667-466C-C512EEDF291F}"/>
+              </a:ext>
+            </a:extLst>
+          </p:cNvPr>
+          <p:cNvGrpSpPr/>
+          <p:nvPr/>
+        </p:nvGrpSpPr>
+        <p:grpSpPr>
+          <a:xfrm>
+            <a:off x="6131158" y="1463037"/>
+            <a:ext cx="360000" cy="433056"/>
+            <a:chOff x="6464962" y="1595681"/>
+            <a:chExt cx="360000" cy="433056"/>
+          </a:xfrm>
+          <a:solidFill>
+            <a:srgbClr val="FF6600"/>
+          </a:solidFill>
+        </p:grpSpPr>
+        <p:sp>
+          <p:nvSpPr>
+            <p:cNvPr id="99" name="Rectangle 98">
+              <a:extLst>
+                <a:ext uri="{FF2B5EF4-FFF2-40B4-BE49-F238E27FC236}">
+                  <a16:creationId xmlns:a16="http://schemas.microsoft.com/office/drawing/2014/main" id="{F7BB0FCA-98D2-B4BC-47FA-50A84C6D9A9E}"/>
+                </a:ext>
+              </a:extLst>
+            </p:cNvPr>
+            <p:cNvSpPr/>
+            <p:nvPr/>
+          </p:nvSpPr>
+          <p:spPr>
+            <a:xfrm>
+              <a:off x="6464962" y="1595681"/>
+              <a:ext cx="360000" cy="217056"/>
+            </a:xfrm>
+            <a:prstGeom prst="rect">
+              <a:avLst/>
+            </a:prstGeom>
+            <a:grpFill/>
+            <a:ln>
+              <a:noFill/>
+            </a:ln>
+          </p:spPr>
+          <p:style>
+            <a:lnRef idx="2">
+              <a:schemeClr val="dk1">
+                <a:shade val="15000"/>
+              </a:schemeClr>
+            </a:lnRef>
+            <a:fillRef idx="1">
+              <a:schemeClr val="dk1"/>
+            </a:fillRef>
+            <a:effectRef idx="0">
+              <a:schemeClr val="dk1"/>
+            </a:effectRef>
+            <a:fontRef idx="minor">
+              <a:schemeClr val="lt1"/>
+            </a:fontRef>
+          </p:style>
+          <p:txBody>
+            <a:bodyPr lIns="28800" tIns="28800" rIns="28800" bIns="28800" rtlCol="0" anchor="ctr"/>
+            <a:lstStyle/>
+            <a:p>
+              <a:r>
+                <a:rPr lang="fr-FR" sz="1200" b="1" dirty="0">
+                  <a:solidFill>
+                    <a:schemeClr val="tx1"/>
+                  </a:solidFill>
+                </a:rPr>
+                <a:t>T+</a:t>
+              </a:r>
+              <a:endParaRPr lang="en-GB" sz="1200" b="1" dirty="0">
+                <a:solidFill>
+                  <a:schemeClr val="tx1"/>
+                </a:solidFill>
+              </a:endParaRPr>
+            </a:p>
+          </p:txBody>
+        </p:sp>
+        <p:sp>
+          <p:nvSpPr>
+            <p:cNvPr id="100" name="Rectangle 99">
+              <a:extLst>
+                <a:ext uri="{FF2B5EF4-FFF2-40B4-BE49-F238E27FC236}">
+                  <a16:creationId xmlns:a16="http://schemas.microsoft.com/office/drawing/2014/main" id="{04C7FE3F-6B6D-10AF-64DD-052D93BC45B8}"/>
+                </a:ext>
+              </a:extLst>
+            </p:cNvPr>
+            <p:cNvSpPr/>
+            <p:nvPr/>
+          </p:nvSpPr>
+          <p:spPr>
+            <a:xfrm>
+              <a:off x="6464962" y="1811681"/>
+              <a:ext cx="360000" cy="217056"/>
+            </a:xfrm>
+            <a:prstGeom prst="rect">
+              <a:avLst/>
+            </a:prstGeom>
+            <a:grpFill/>
+            <a:ln>
+              <a:noFill/>
+            </a:ln>
+          </p:spPr>
+          <p:style>
+            <a:lnRef idx="2">
+              <a:schemeClr val="dk1">
+                <a:shade val="15000"/>
+              </a:schemeClr>
+            </a:lnRef>
+            <a:fillRef idx="1">
+              <a:schemeClr val="dk1"/>
+            </a:fillRef>
+            <a:effectRef idx="0">
+              <a:schemeClr val="dk1"/>
+            </a:effectRef>
+            <a:fontRef idx="minor">
+              <a:schemeClr val="lt1"/>
+            </a:fontRef>
+          </p:style>
+          <p:txBody>
+            <a:bodyPr lIns="28800" tIns="28800" rIns="28800" bIns="28800" rtlCol="0" anchor="ctr"/>
+            <a:lstStyle/>
+            <a:p>
+              <a:r>
+                <a:rPr lang="fr-FR" sz="1200" b="1" dirty="0" err="1">
+                  <a:solidFill>
+                    <a:schemeClr val="tx1"/>
+                  </a:solidFill>
+                </a:rPr>
+                <a:t>rst</a:t>
+              </a:r>
+              <a:endParaRPr lang="en-GB" sz="1200" b="1" dirty="0">
+                <a:solidFill>
+                  <a:schemeClr val="tx1"/>
+                </a:solidFill>
+              </a:endParaRPr>
+            </a:p>
+          </p:txBody>
+        </p:sp>
+      </p:grpSp>
+      <p:sp>
+        <p:nvSpPr>
+          <p:cNvPr id="101" name="Rectangle 100">
+            <a:extLst>
+              <a:ext uri="{FF2B5EF4-FFF2-40B4-BE49-F238E27FC236}">
+                <a16:creationId xmlns:a16="http://schemas.microsoft.com/office/drawing/2014/main" id="{6E2EB113-8808-9840-D9BC-6BBA98630990}"/>
+              </a:ext>
+            </a:extLst>
+          </p:cNvPr>
+          <p:cNvSpPr/>
+          <p:nvPr/>
+        </p:nvSpPr>
+        <p:spPr>
+          <a:xfrm>
+            <a:off x="6131158" y="2434309"/>
+            <a:ext cx="360000" cy="432000"/>
+          </a:xfrm>
+          <a:prstGeom prst="rect">
+            <a:avLst/>
+          </a:prstGeom>
+          <a:solidFill>
+            <a:srgbClr val="00B0F0"/>
+          </a:solidFill>
+          <a:ln>
+            <a:noFill/>
+          </a:ln>
+        </p:spPr>
+        <p:style>
+          <a:lnRef idx="2">
+            <a:schemeClr val="dk1">
+              <a:shade val="15000"/>
+            </a:schemeClr>
+          </a:lnRef>
+          <a:fillRef idx="1">
+            <a:schemeClr val="dk1"/>
+          </a:fillRef>
+          <a:effectRef idx="0">
+            <a:schemeClr val="dk1"/>
+          </a:effectRef>
+          <a:fontRef idx="minor">
+            <a:schemeClr val="lt1"/>
+          </a:fontRef>
+        </p:style>
+        <p:txBody>
+          <a:bodyPr lIns="28800" tIns="28800" rIns="28800" bIns="28800" rtlCol="0" anchor="ctr"/>
+          <a:lstStyle/>
+          <a:p>
+            <a:r>
+              <a:rPr lang="fr-FR" sz="1200" b="1" dirty="0">
+                <a:solidFill>
+                  <a:schemeClr val="tx1"/>
+                </a:solidFill>
+              </a:rPr>
+              <a:t>RE</a:t>
+            </a:r>
+            <a:br>
+              <a:rPr lang="fr-FR" sz="1200" b="1" dirty="0">
+                <a:solidFill>
+                  <a:schemeClr val="tx1"/>
+                </a:solidFill>
+              </a:rPr>
+            </a:br>
+            <a:r>
+              <a:rPr lang="fr-FR" sz="1200" b="1" dirty="0">
+                <a:solidFill>
+                  <a:schemeClr val="tx1"/>
+                </a:solidFill>
+              </a:rPr>
+              <a:t>C</a:t>
+            </a:r>
+            <a:endParaRPr lang="en-GB" sz="1200" b="1" dirty="0">
+              <a:solidFill>
+                <a:schemeClr val="tx1"/>
+              </a:solidFill>
+            </a:endParaRPr>
+          </a:p>
+        </p:txBody>
+      </p:sp>
+      <p:grpSp>
+        <p:nvGrpSpPr>
+          <p:cNvPr id="102" name="Group 101">
+            <a:extLst>
+              <a:ext uri="{FF2B5EF4-FFF2-40B4-BE49-F238E27FC236}">
+                <a16:creationId xmlns:a16="http://schemas.microsoft.com/office/drawing/2014/main" id="{D9495171-674A-9654-CFF9-4739CB5914BE}"/>
+              </a:ext>
+            </a:extLst>
+          </p:cNvPr>
+          <p:cNvGrpSpPr/>
+          <p:nvPr/>
+        </p:nvGrpSpPr>
+        <p:grpSpPr>
+          <a:xfrm>
+            <a:off x="6137006" y="1948145"/>
+            <a:ext cx="360000" cy="433056"/>
+            <a:chOff x="6464962" y="1595681"/>
+            <a:chExt cx="360000" cy="433056"/>
+          </a:xfrm>
+          <a:solidFill>
+            <a:srgbClr val="00B0F0"/>
+          </a:solidFill>
+        </p:grpSpPr>
+        <p:sp>
+          <p:nvSpPr>
+            <p:cNvPr id="103" name="Rectangle 102">
+              <a:extLst>
+                <a:ext uri="{FF2B5EF4-FFF2-40B4-BE49-F238E27FC236}">
+                  <a16:creationId xmlns:a16="http://schemas.microsoft.com/office/drawing/2014/main" id="{D8803D4C-FBA2-14B5-65CC-68E67E6F2FF1}"/>
+                </a:ext>
+              </a:extLst>
+            </p:cNvPr>
+            <p:cNvSpPr/>
+            <p:nvPr/>
+          </p:nvSpPr>
+          <p:spPr>
+            <a:xfrm>
+              <a:off x="6464962" y="1595681"/>
+              <a:ext cx="360000" cy="217056"/>
+            </a:xfrm>
+            <a:prstGeom prst="rect">
+              <a:avLst/>
+            </a:prstGeom>
+            <a:grpFill/>
+            <a:ln>
+              <a:noFill/>
+            </a:ln>
+          </p:spPr>
+          <p:style>
+            <a:lnRef idx="2">
+              <a:schemeClr val="dk1">
+                <a:shade val="15000"/>
+              </a:schemeClr>
+            </a:lnRef>
+            <a:fillRef idx="1">
+              <a:schemeClr val="dk1"/>
+            </a:fillRef>
+            <a:effectRef idx="0">
+              <a:schemeClr val="dk1"/>
+            </a:effectRef>
+            <a:fontRef idx="minor">
+              <a:schemeClr val="lt1"/>
+            </a:fontRef>
+          </p:style>
+          <p:txBody>
+            <a:bodyPr lIns="28800" tIns="28800" rIns="28800" bIns="28800" rtlCol="0" anchor="ctr"/>
+            <a:lstStyle/>
+            <a:p>
+              <a:r>
+                <a:rPr lang="fr-FR" sz="1200" b="1" dirty="0">
+                  <a:solidFill>
+                    <a:schemeClr val="tx1"/>
+                  </a:solidFill>
+                </a:rPr>
+                <a:t>VL</a:t>
+              </a:r>
+              <a:endParaRPr lang="en-GB" sz="1200" b="1" dirty="0">
+                <a:solidFill>
+                  <a:schemeClr val="tx1"/>
+                </a:solidFill>
+              </a:endParaRPr>
+            </a:p>
+          </p:txBody>
+        </p:sp>
+        <p:sp>
+          <p:nvSpPr>
+            <p:cNvPr id="104" name="Rectangle 103">
+              <a:extLst>
+                <a:ext uri="{FF2B5EF4-FFF2-40B4-BE49-F238E27FC236}">
+                  <a16:creationId xmlns:a16="http://schemas.microsoft.com/office/drawing/2014/main" id="{6A8CA6FA-74A0-BC55-96E9-C9CB663258C8}"/>
+                </a:ext>
+              </a:extLst>
+            </p:cNvPr>
+            <p:cNvSpPr/>
+            <p:nvPr/>
+          </p:nvSpPr>
+          <p:spPr>
+            <a:xfrm>
+              <a:off x="6464962" y="1811681"/>
+              <a:ext cx="360000" cy="217056"/>
+            </a:xfrm>
+            <a:prstGeom prst="rect">
+              <a:avLst/>
+            </a:prstGeom>
+            <a:grpFill/>
+            <a:ln>
+              <a:noFill/>
+            </a:ln>
+          </p:spPr>
+          <p:style>
+            <a:lnRef idx="2">
+              <a:schemeClr val="dk1">
+                <a:shade val="15000"/>
+              </a:schemeClr>
+            </a:lnRef>
+            <a:fillRef idx="1">
+              <a:schemeClr val="dk1"/>
+            </a:fillRef>
+            <a:effectRef idx="0">
+              <a:schemeClr val="dk1"/>
+            </a:effectRef>
+            <a:fontRef idx="minor">
+              <a:schemeClr val="lt1"/>
+            </a:fontRef>
+          </p:style>
+          <p:txBody>
+            <a:bodyPr lIns="28800" tIns="28800" rIns="28800" bIns="28800" rtlCol="0" anchor="ctr"/>
+            <a:lstStyle/>
+            <a:p>
+              <a:r>
+                <a:rPr lang="fr-FR" sz="1200" b="1" dirty="0" err="1">
+                  <a:solidFill>
+                    <a:schemeClr val="tx1"/>
+                  </a:solidFill>
+                </a:rPr>
+                <a:t>qtf</a:t>
+              </a:r>
+              <a:endParaRPr lang="en-GB" sz="1200" b="1" dirty="0">
+                <a:solidFill>
+                  <a:schemeClr val="tx1"/>
+                </a:solidFill>
+              </a:endParaRPr>
+            </a:p>
+          </p:txBody>
+        </p:sp>
+      </p:grpSp>
+      <p:sp>
+        <p:nvSpPr>
+          <p:cNvPr id="105" name="Rectangle 104">
+            <a:extLst>
+              <a:ext uri="{FF2B5EF4-FFF2-40B4-BE49-F238E27FC236}">
+                <a16:creationId xmlns:a16="http://schemas.microsoft.com/office/drawing/2014/main" id="{1BF3C893-CC9A-1826-1F11-5C3C83E301DE}"/>
+              </a:ext>
+            </a:extLst>
+          </p:cNvPr>
+          <p:cNvSpPr/>
+          <p:nvPr/>
+        </p:nvSpPr>
+        <p:spPr>
+          <a:xfrm>
+            <a:off x="6131157" y="493880"/>
+            <a:ext cx="360000" cy="432000"/>
+          </a:xfrm>
+          <a:prstGeom prst="rect">
+            <a:avLst/>
+          </a:prstGeom>
+          <a:solidFill>
+            <a:srgbClr val="CC0000"/>
+          </a:solidFill>
+          <a:ln>
+            <a:noFill/>
+          </a:ln>
+        </p:spPr>
+        <p:style>
+          <a:lnRef idx="2">
+            <a:schemeClr val="dk1">
+              <a:shade val="15000"/>
+            </a:schemeClr>
+          </a:lnRef>
+          <a:fillRef idx="1">
+            <a:schemeClr val="dk1"/>
+          </a:fillRef>
+          <a:effectRef idx="0">
+            <a:schemeClr val="dk1"/>
+          </a:effectRef>
+          <a:fontRef idx="minor">
+            <a:schemeClr val="lt1"/>
+          </a:fontRef>
+        </p:style>
+        <p:txBody>
+          <a:bodyPr lIns="28800" tIns="28800" rIns="28800" bIns="28800" rtlCol="0" anchor="ctr"/>
+          <a:lstStyle/>
+          <a:p>
+            <a:r>
+              <a:rPr lang="fr-FR" sz="1200" b="1" dirty="0">
+                <a:solidFill>
+                  <a:schemeClr val="tx1"/>
+                </a:solidFill>
+              </a:rPr>
+              <a:t>IN</a:t>
+            </a:r>
+            <a:br>
+              <a:rPr lang="fr-FR" sz="1200" b="1" dirty="0">
+                <a:solidFill>
+                  <a:schemeClr val="tx1"/>
+                </a:solidFill>
+              </a:rPr>
+            </a:br>
+            <a:r>
+              <a:rPr lang="fr-FR" sz="1200" b="1" dirty="0">
+                <a:solidFill>
+                  <a:schemeClr val="tx1"/>
+                </a:solidFill>
+              </a:rPr>
+              <a:t>ST</a:t>
+            </a:r>
+            <a:endParaRPr lang="en-GB" sz="1200" b="1" dirty="0">
+              <a:solidFill>
+                <a:schemeClr val="tx1"/>
               </a:solidFill>
             </a:endParaRPr>
           </a:p>
